--- a/android_app/doucments/앱프로토타입.pptx
+++ b/android_app/doucments/앱프로토타입.pptx
@@ -255,7 +255,7 @@
           <a:p>
             <a:fld id="{CCC39BD1-EADA-4DDD-AA6E-15BF96E9AE38}" type="datetimeFigureOut">
               <a:rPr lang="ko-KR" altLang="en-US" smtClean="0"/>
-              <a:t>2020-04-29</a:t>
+              <a:t>2020. 6. 27.</a:t>
             </a:fld>
             <a:endParaRPr lang="ko-KR" altLang="en-US"/>
           </a:p>
@@ -425,7 +425,7 @@
           <a:p>
             <a:fld id="{CCC39BD1-EADA-4DDD-AA6E-15BF96E9AE38}" type="datetimeFigureOut">
               <a:rPr lang="ko-KR" altLang="en-US" smtClean="0"/>
-              <a:t>2020-04-29</a:t>
+              <a:t>2020. 6. 27.</a:t>
             </a:fld>
             <a:endParaRPr lang="ko-KR" altLang="en-US"/>
           </a:p>
@@ -605,7 +605,7 @@
           <a:p>
             <a:fld id="{CCC39BD1-EADA-4DDD-AA6E-15BF96E9AE38}" type="datetimeFigureOut">
               <a:rPr lang="ko-KR" altLang="en-US" smtClean="0"/>
-              <a:t>2020-04-29</a:t>
+              <a:t>2020. 6. 27.</a:t>
             </a:fld>
             <a:endParaRPr lang="ko-KR" altLang="en-US"/>
           </a:p>
@@ -775,7 +775,7 @@
           <a:p>
             <a:fld id="{CCC39BD1-EADA-4DDD-AA6E-15BF96E9AE38}" type="datetimeFigureOut">
               <a:rPr lang="ko-KR" altLang="en-US" smtClean="0"/>
-              <a:t>2020-04-29</a:t>
+              <a:t>2020. 6. 27.</a:t>
             </a:fld>
             <a:endParaRPr lang="ko-KR" altLang="en-US"/>
           </a:p>
@@ -1021,7 +1021,7 @@
           <a:p>
             <a:fld id="{CCC39BD1-EADA-4DDD-AA6E-15BF96E9AE38}" type="datetimeFigureOut">
               <a:rPr lang="ko-KR" altLang="en-US" smtClean="0"/>
-              <a:t>2020-04-29</a:t>
+              <a:t>2020. 6. 27.</a:t>
             </a:fld>
             <a:endParaRPr lang="ko-KR" altLang="en-US"/>
           </a:p>
@@ -1253,7 +1253,7 @@
           <a:p>
             <a:fld id="{CCC39BD1-EADA-4DDD-AA6E-15BF96E9AE38}" type="datetimeFigureOut">
               <a:rPr lang="ko-KR" altLang="en-US" smtClean="0"/>
-              <a:t>2020-04-29</a:t>
+              <a:t>2020. 6. 27.</a:t>
             </a:fld>
             <a:endParaRPr lang="ko-KR" altLang="en-US"/>
           </a:p>
@@ -1620,7 +1620,7 @@
           <a:p>
             <a:fld id="{CCC39BD1-EADA-4DDD-AA6E-15BF96E9AE38}" type="datetimeFigureOut">
               <a:rPr lang="ko-KR" altLang="en-US" smtClean="0"/>
-              <a:t>2020-04-29</a:t>
+              <a:t>2020. 6. 27.</a:t>
             </a:fld>
             <a:endParaRPr lang="ko-KR" altLang="en-US"/>
           </a:p>
@@ -1738,7 +1738,7 @@
           <a:p>
             <a:fld id="{CCC39BD1-EADA-4DDD-AA6E-15BF96E9AE38}" type="datetimeFigureOut">
               <a:rPr lang="ko-KR" altLang="en-US" smtClean="0"/>
-              <a:t>2020-04-29</a:t>
+              <a:t>2020. 6. 27.</a:t>
             </a:fld>
             <a:endParaRPr lang="ko-KR" altLang="en-US"/>
           </a:p>
@@ -1833,7 +1833,7 @@
           <a:p>
             <a:fld id="{CCC39BD1-EADA-4DDD-AA6E-15BF96E9AE38}" type="datetimeFigureOut">
               <a:rPr lang="ko-KR" altLang="en-US" smtClean="0"/>
-              <a:t>2020-04-29</a:t>
+              <a:t>2020. 6. 27.</a:t>
             </a:fld>
             <a:endParaRPr lang="ko-KR" altLang="en-US"/>
           </a:p>
@@ -2110,7 +2110,7 @@
           <a:p>
             <a:fld id="{CCC39BD1-EADA-4DDD-AA6E-15BF96E9AE38}" type="datetimeFigureOut">
               <a:rPr lang="ko-KR" altLang="en-US" smtClean="0"/>
-              <a:t>2020-04-29</a:t>
+              <a:t>2020. 6. 27.</a:t>
             </a:fld>
             <a:endParaRPr lang="ko-KR" altLang="en-US"/>
           </a:p>
@@ -2367,7 +2367,7 @@
           <a:p>
             <a:fld id="{CCC39BD1-EADA-4DDD-AA6E-15BF96E9AE38}" type="datetimeFigureOut">
               <a:rPr lang="ko-KR" altLang="en-US" smtClean="0"/>
-              <a:t>2020-04-29</a:t>
+              <a:t>2020. 6. 27.</a:t>
             </a:fld>
             <a:endParaRPr lang="ko-KR" altLang="en-US"/>
           </a:p>
@@ -2580,7 +2580,7 @@
           <a:p>
             <a:fld id="{CCC39BD1-EADA-4DDD-AA6E-15BF96E9AE38}" type="datetimeFigureOut">
               <a:rPr lang="ko-KR" altLang="en-US" smtClean="0"/>
-              <a:t>2020-04-29</a:t>
+              <a:t>2020. 6. 27.</a:t>
             </a:fld>
             <a:endParaRPr lang="ko-KR" altLang="en-US"/>
           </a:p>
@@ -2987,10 +2987,10 @@
       </p:grpSpPr>
       <p:pic>
         <p:nvPicPr>
-          <p:cNvPr id="5" name="그림 4" descr="스크린샷, 그리기이(가) 표시된 사진&#10;&#10;자동 생성된 설명">
+          <p:cNvPr id="8" name="그림 7" descr="시계, 측정기이(가) 표시된 사진&#10;&#10;자동 생성된 설명">
             <a:extLst>
               <a:ext uri="{FF2B5EF4-FFF2-40B4-BE49-F238E27FC236}">
-                <a16:creationId xmlns:a16="http://schemas.microsoft.com/office/drawing/2014/main" id="{F8EC94D3-55B5-4F9F-B976-963F0C6EDF32}"/>
+                <a16:creationId xmlns:a16="http://schemas.microsoft.com/office/drawing/2014/main" id="{262C6F99-952B-B540-AE15-D1379246046F}"/>
               </a:ext>
             </a:extLst>
           </p:cNvPr>
@@ -3007,6 +3007,70 @@
               </a:ext>
             </a:extLst>
           </a:blip>
+          <a:srcRect t="4663" b="5047"/>
+          <a:stretch/>
+        </p:blipFill>
+        <p:spPr>
+          <a:xfrm>
+            <a:off x="6285040" y="98402"/>
+            <a:ext cx="1723753" cy="3041731"/>
+          </a:xfrm>
+          <a:prstGeom prst="rect">
+            <a:avLst/>
+          </a:prstGeom>
+        </p:spPr>
+      </p:pic>
+      <p:pic>
+        <p:nvPicPr>
+          <p:cNvPr id="2" name="그림 1">
+            <a:extLst>
+              <a:ext uri="{FF2B5EF4-FFF2-40B4-BE49-F238E27FC236}">
+                <a16:creationId xmlns:a16="http://schemas.microsoft.com/office/drawing/2014/main" id="{0659042F-FC7B-814C-B25F-BF2B73D086B0}"/>
+              </a:ext>
+            </a:extLst>
+          </p:cNvPr>
+          <p:cNvPicPr>
+            <a:picLocks noChangeAspect="1"/>
+          </p:cNvPicPr>
+          <p:nvPr/>
+        </p:nvPicPr>
+        <p:blipFill rotWithShape="1">
+          <a:blip r:embed="rId3"/>
+          <a:srcRect l="-3329" t="-947" r="383" b="6123"/>
+          <a:stretch/>
+        </p:blipFill>
+        <p:spPr>
+          <a:xfrm>
+            <a:off x="8137460" y="85746"/>
+            <a:ext cx="1897201" cy="3031151"/>
+          </a:xfrm>
+          <a:prstGeom prst="rect">
+            <a:avLst/>
+          </a:prstGeom>
+        </p:spPr>
+      </p:pic>
+      <p:pic>
+        <p:nvPicPr>
+          <p:cNvPr id="5" name="그림 4" descr="스크린샷, 그리기이(가) 표시된 사진&#10;&#10;자동 생성된 설명">
+            <a:extLst>
+              <a:ext uri="{FF2B5EF4-FFF2-40B4-BE49-F238E27FC236}">
+                <a16:creationId xmlns:a16="http://schemas.microsoft.com/office/drawing/2014/main" id="{F8EC94D3-55B5-4F9F-B976-963F0C6EDF32}"/>
+              </a:ext>
+            </a:extLst>
+          </p:cNvPr>
+          <p:cNvPicPr>
+            <a:picLocks noChangeAspect="1"/>
+          </p:cNvPicPr>
+          <p:nvPr/>
+        </p:nvPicPr>
+        <p:blipFill rotWithShape="1">
+          <a:blip r:embed="rId4">
+            <a:extLst>
+              <a:ext uri="{28A0092B-C50C-407E-A947-70E740481C1C}">
+                <a14:useLocalDpi xmlns:a14="http://schemas.microsoft.com/office/drawing/2010/main" val="0"/>
+              </a:ext>
+            </a:extLst>
+          </a:blip>
           <a:srcRect l="2" t="5950" r="-1" b="19222"/>
           <a:stretch/>
         </p:blipFill>
@@ -3035,7 +3099,7 @@
           <p:nvPr/>
         </p:nvPicPr>
         <p:blipFill rotWithShape="1">
-          <a:blip r:embed="rId3">
+          <a:blip r:embed="rId5">
             <a:extLst>
               <a:ext uri="{28A0092B-C50C-407E-A947-70E740481C1C}">
                 <a14:useLocalDpi xmlns:a14="http://schemas.microsoft.com/office/drawing/2010/main" val="0"/>
@@ -3047,7 +3111,7 @@
         </p:blipFill>
         <p:spPr>
           <a:xfrm>
-            <a:off x="2082066" y="85746"/>
+            <a:off x="2082329" y="106488"/>
             <a:ext cx="1951349" cy="3082565"/>
           </a:xfrm>
           <a:prstGeom prst="rect">
@@ -3070,7 +3134,7 @@
           <p:nvPr/>
         </p:nvPicPr>
         <p:blipFill rotWithShape="1">
-          <a:blip r:embed="rId4">
+          <a:blip r:embed="rId6">
             <a:extLst>
               <a:ext uri="{28A0092B-C50C-407E-A947-70E740481C1C}">
                 <a14:useLocalDpi xmlns:a14="http://schemas.microsoft.com/office/drawing/2010/main" val="0"/>
@@ -3105,7 +3169,7 @@
           <p:nvPr/>
         </p:nvPicPr>
         <p:blipFill rotWithShape="1">
-          <a:blip r:embed="rId5">
+          <a:blip r:embed="rId7">
             <a:extLst>
               <a:ext uri="{28A0092B-C50C-407E-A947-70E740481C1C}">
                 <a14:useLocalDpi xmlns:a14="http://schemas.microsoft.com/office/drawing/2010/main" val="0"/>
@@ -3140,7 +3204,7 @@
           <p:nvPr/>
         </p:nvPicPr>
         <p:blipFill rotWithShape="1">
-          <a:blip r:embed="rId6">
+          <a:blip r:embed="rId8">
             <a:extLst>
               <a:ext uri="{28A0092B-C50C-407E-A947-70E740481C1C}">
                 <a14:useLocalDpi xmlns:a14="http://schemas.microsoft.com/office/drawing/2010/main" val="0"/>
@@ -3175,7 +3239,7 @@
           <p:nvPr/>
         </p:nvPicPr>
         <p:blipFill rotWithShape="1">
-          <a:blip r:embed="rId7">
+          <a:blip r:embed="rId9">
             <a:extLst>
               <a:ext uri="{28A0092B-C50C-407E-A947-70E740481C1C}">
                 <a14:useLocalDpi xmlns:a14="http://schemas.microsoft.com/office/drawing/2010/main" val="0"/>
@@ -3210,400 +3274,321 @@
           <p:nvPr/>
         </p:nvPicPr>
         <p:blipFill rotWithShape="1">
-          <a:blip r:embed="rId8">
+          <a:blip r:embed="rId10">
             <a:extLst>
               <a:ext uri="{28A0092B-C50C-407E-A947-70E740481C1C}">
                 <a14:useLocalDpi xmlns:a14="http://schemas.microsoft.com/office/drawing/2010/main" val="0"/>
               </a:ext>
             </a:extLst>
           </a:blip>
-          <a:srcRect t="5242" b="27062"/>
+          <a:srcRect t="5242" b="14971"/>
           <a:stretch/>
         </p:blipFill>
         <p:spPr>
           <a:xfrm>
-            <a:off x="8212163" y="3444101"/>
-            <a:ext cx="1950821" cy="2787979"/>
+            <a:off x="8212163" y="3444102"/>
+            <a:ext cx="1950821" cy="3285920"/>
           </a:xfrm>
           <a:prstGeom prst="rect">
             <a:avLst/>
           </a:prstGeom>
         </p:spPr>
       </p:pic>
-      <p:grpSp>
-        <p:nvGrpSpPr>
-          <p:cNvPr id="28" name="그룹 27">
+      <p:pic>
+        <p:nvPicPr>
+          <p:cNvPr id="9" name="그림 8" descr="스크린샷이(가) 표시된 사진&#10;&#10;자동 생성된 설명">
             <a:extLst>
               <a:ext uri="{FF2B5EF4-FFF2-40B4-BE49-F238E27FC236}">
-                <a16:creationId xmlns:a16="http://schemas.microsoft.com/office/drawing/2014/main" id="{DBD6CDDC-4C5D-4031-9912-32D15E7F226F}"/>
-              </a:ext>
-            </a:extLst>
-          </p:cNvPr>
-          <p:cNvGrpSpPr/>
-          <p:nvPr/>
-        </p:nvGrpSpPr>
-        <p:grpSpPr>
-          <a:xfrm>
-            <a:off x="4241782" y="85746"/>
-            <a:ext cx="1896087" cy="3082565"/>
-            <a:chOff x="4610222" y="85746"/>
-            <a:chExt cx="1896087" cy="3082565"/>
-          </a:xfrm>
-        </p:grpSpPr>
-        <p:pic>
-          <p:nvPicPr>
-            <p:cNvPr id="9" name="그림 8" descr="스크린샷이(가) 표시된 사진&#10;&#10;자동 생성된 설명">
-              <a:extLst>
-                <a:ext uri="{FF2B5EF4-FFF2-40B4-BE49-F238E27FC236}">
-                  <a16:creationId xmlns:a16="http://schemas.microsoft.com/office/drawing/2014/main" id="{6CDB1C2D-200F-4E50-8F2F-348833822FC9}"/>
-                </a:ext>
-              </a:extLst>
-            </p:cNvPr>
-            <p:cNvPicPr>
-              <a:picLocks noChangeAspect="1"/>
-            </p:cNvPicPr>
-            <p:nvPr/>
-          </p:nvPicPr>
-          <p:blipFill rotWithShape="1">
-            <a:blip r:embed="rId9">
-              <a:extLst>
-                <a:ext uri="{28A0092B-C50C-407E-A947-70E740481C1C}">
-                  <a14:useLocalDpi xmlns:a14="http://schemas.microsoft.com/office/drawing/2010/main" val="0"/>
-                </a:ext>
-              </a:extLst>
-            </a:blip>
-            <a:srcRect l="1" t="4243" r="3210" b="20931"/>
-            <a:stretch/>
-          </p:blipFill>
-          <p:spPr>
-            <a:xfrm>
-              <a:off x="4617627" y="85746"/>
-              <a:ext cx="1888682" cy="3082565"/>
-            </a:xfrm>
-            <a:prstGeom prst="rect">
-              <a:avLst/>
-            </a:prstGeom>
-          </p:spPr>
-        </p:pic>
-        <p:sp>
-          <p:nvSpPr>
-            <p:cNvPr id="22" name="사각형: 둥근 모서리 21">
-              <a:extLst>
-                <a:ext uri="{FF2B5EF4-FFF2-40B4-BE49-F238E27FC236}">
-                  <a16:creationId xmlns:a16="http://schemas.microsoft.com/office/drawing/2014/main" id="{FBA1CF69-533D-4FF7-861A-F43765B73CF2}"/>
-                </a:ext>
-              </a:extLst>
-            </p:cNvPr>
-            <p:cNvSpPr/>
-            <p:nvPr/>
-          </p:nvSpPr>
-          <p:spPr>
-            <a:xfrm>
-              <a:off x="4617626" y="1036314"/>
-              <a:ext cx="802786" cy="188536"/>
-            </a:xfrm>
-            <a:prstGeom prst="roundRect">
-              <a:avLst/>
-            </a:prstGeom>
-            <a:noFill/>
-            <a:ln w="19050">
-              <a:solidFill>
-                <a:srgbClr val="FF0000"/>
-              </a:solidFill>
-            </a:ln>
-          </p:spPr>
-          <p:style>
-            <a:lnRef idx="2">
-              <a:schemeClr val="accent1">
-                <a:shade val="50000"/>
-              </a:schemeClr>
-            </a:lnRef>
-            <a:fillRef idx="1">
-              <a:schemeClr val="accent1"/>
-            </a:fillRef>
-            <a:effectRef idx="0">
-              <a:schemeClr val="accent1"/>
-            </a:effectRef>
-            <a:fontRef idx="minor">
-              <a:schemeClr val="lt1"/>
-            </a:fontRef>
-          </p:style>
-          <p:txBody>
-            <a:bodyPr rtlCol="0" anchor="ctr"/>
-            <a:lstStyle/>
-            <a:p>
-              <a:pPr algn="ctr"/>
-              <a:endParaRPr lang="ko-KR" altLang="en-US"/>
-            </a:p>
-          </p:txBody>
-        </p:sp>
-        <p:sp>
-          <p:nvSpPr>
-            <p:cNvPr id="23" name="사각형: 둥근 모서리 22">
-              <a:extLst>
-                <a:ext uri="{FF2B5EF4-FFF2-40B4-BE49-F238E27FC236}">
-                  <a16:creationId xmlns:a16="http://schemas.microsoft.com/office/drawing/2014/main" id="{99121E7D-A98C-4626-99BF-623AA439CE88}"/>
-                </a:ext>
-              </a:extLst>
-            </p:cNvPr>
-            <p:cNvSpPr/>
-            <p:nvPr/>
-          </p:nvSpPr>
-          <p:spPr>
-            <a:xfrm>
-              <a:off x="4617626" y="811702"/>
-              <a:ext cx="393989" cy="188536"/>
-            </a:xfrm>
-            <a:prstGeom prst="roundRect">
-              <a:avLst/>
-            </a:prstGeom>
-            <a:noFill/>
-            <a:ln w="19050">
-              <a:solidFill>
-                <a:srgbClr val="0070C0"/>
-              </a:solidFill>
-            </a:ln>
-          </p:spPr>
-          <p:style>
-            <a:lnRef idx="2">
-              <a:schemeClr val="accent1">
-                <a:shade val="50000"/>
-              </a:schemeClr>
-            </a:lnRef>
-            <a:fillRef idx="1">
-              <a:schemeClr val="accent1"/>
-            </a:fillRef>
-            <a:effectRef idx="0">
-              <a:schemeClr val="accent1"/>
-            </a:effectRef>
-            <a:fontRef idx="minor">
-              <a:schemeClr val="lt1"/>
-            </a:fontRef>
-          </p:style>
-          <p:txBody>
-            <a:bodyPr rtlCol="0" anchor="ctr"/>
-            <a:lstStyle/>
-            <a:p>
-              <a:pPr algn="ctr"/>
-              <a:endParaRPr lang="ko-KR" altLang="en-US"/>
-            </a:p>
-          </p:txBody>
-        </p:sp>
-        <p:sp>
-          <p:nvSpPr>
-            <p:cNvPr id="24" name="사각형: 둥근 모서리 23">
-              <a:extLst>
-                <a:ext uri="{FF2B5EF4-FFF2-40B4-BE49-F238E27FC236}">
-                  <a16:creationId xmlns:a16="http://schemas.microsoft.com/office/drawing/2014/main" id="{FE7D0F12-4474-404E-B17F-ABA8CD141C7B}"/>
-                </a:ext>
-              </a:extLst>
-            </p:cNvPr>
-            <p:cNvSpPr/>
-            <p:nvPr/>
-          </p:nvSpPr>
-          <p:spPr>
-            <a:xfrm>
-              <a:off x="4617626" y="1260926"/>
-              <a:ext cx="631382" cy="188536"/>
-            </a:xfrm>
-            <a:prstGeom prst="roundRect">
-              <a:avLst/>
-            </a:prstGeom>
-            <a:noFill/>
-            <a:ln w="19050">
-              <a:solidFill>
-                <a:schemeClr val="accent4"/>
-              </a:solidFill>
-            </a:ln>
-          </p:spPr>
-          <p:style>
-            <a:lnRef idx="2">
-              <a:schemeClr val="accent1">
-                <a:shade val="50000"/>
-              </a:schemeClr>
-            </a:lnRef>
-            <a:fillRef idx="1">
-              <a:schemeClr val="accent1"/>
-            </a:fillRef>
-            <a:effectRef idx="0">
-              <a:schemeClr val="accent1"/>
-            </a:effectRef>
-            <a:fontRef idx="minor">
-              <a:schemeClr val="lt1"/>
-            </a:fontRef>
-          </p:style>
-          <p:txBody>
-            <a:bodyPr rtlCol="0" anchor="ctr"/>
-            <a:lstStyle/>
-            <a:p>
-              <a:pPr algn="ctr"/>
-              <a:endParaRPr lang="ko-KR" altLang="en-US"/>
-            </a:p>
-          </p:txBody>
-        </p:sp>
-        <p:sp>
-          <p:nvSpPr>
-            <p:cNvPr id="25" name="사각형: 둥근 모서리 24">
-              <a:extLst>
-                <a:ext uri="{FF2B5EF4-FFF2-40B4-BE49-F238E27FC236}">
-                  <a16:creationId xmlns:a16="http://schemas.microsoft.com/office/drawing/2014/main" id="{829D86F1-0AC5-428C-B530-C37A5509BC34}"/>
-                </a:ext>
-              </a:extLst>
-            </p:cNvPr>
-            <p:cNvSpPr/>
-            <p:nvPr/>
-          </p:nvSpPr>
-          <p:spPr>
-            <a:xfrm>
-              <a:off x="4610222" y="1482396"/>
-              <a:ext cx="401393" cy="188536"/>
-            </a:xfrm>
-            <a:prstGeom prst="roundRect">
-              <a:avLst/>
-            </a:prstGeom>
-            <a:noFill/>
-            <a:ln w="19050">
-              <a:solidFill>
-                <a:schemeClr val="accent6"/>
-              </a:solidFill>
-            </a:ln>
-          </p:spPr>
-          <p:style>
-            <a:lnRef idx="2">
-              <a:schemeClr val="accent1">
-                <a:shade val="50000"/>
-              </a:schemeClr>
-            </a:lnRef>
-            <a:fillRef idx="1">
-              <a:schemeClr val="accent1"/>
-            </a:fillRef>
-            <a:effectRef idx="0">
-              <a:schemeClr val="accent1"/>
-            </a:effectRef>
-            <a:fontRef idx="minor">
-              <a:schemeClr val="lt1"/>
-            </a:fontRef>
-          </p:style>
-          <p:txBody>
-            <a:bodyPr rtlCol="0" anchor="ctr"/>
-            <a:lstStyle/>
-            <a:p>
-              <a:pPr algn="ctr"/>
-              <a:endParaRPr lang="ko-KR" altLang="en-US"/>
-            </a:p>
-          </p:txBody>
-        </p:sp>
-        <p:sp>
-          <p:nvSpPr>
-            <p:cNvPr id="26" name="사각형: 둥근 모서리 25">
-              <a:extLst>
-                <a:ext uri="{FF2B5EF4-FFF2-40B4-BE49-F238E27FC236}">
-                  <a16:creationId xmlns:a16="http://schemas.microsoft.com/office/drawing/2014/main" id="{D9C5E6D0-1733-40F2-A5D2-E35E61A1153C}"/>
-                </a:ext>
-              </a:extLst>
-            </p:cNvPr>
-            <p:cNvSpPr/>
-            <p:nvPr/>
-          </p:nvSpPr>
-          <p:spPr>
-            <a:xfrm>
-              <a:off x="4610222" y="1714259"/>
-              <a:ext cx="401393" cy="188536"/>
-            </a:xfrm>
-            <a:prstGeom prst="roundRect">
-              <a:avLst/>
-            </a:prstGeom>
-            <a:noFill/>
-            <a:ln w="19050">
-              <a:solidFill>
-                <a:srgbClr val="7030A0"/>
-              </a:solidFill>
-            </a:ln>
-          </p:spPr>
-          <p:style>
-            <a:lnRef idx="2">
-              <a:schemeClr val="accent1">
-                <a:shade val="50000"/>
-              </a:schemeClr>
-            </a:lnRef>
-            <a:fillRef idx="1">
-              <a:schemeClr val="accent1"/>
-            </a:fillRef>
-            <a:effectRef idx="0">
-              <a:schemeClr val="accent1"/>
-            </a:effectRef>
-            <a:fontRef idx="minor">
-              <a:schemeClr val="lt1"/>
-            </a:fontRef>
-          </p:style>
-          <p:txBody>
-            <a:bodyPr rtlCol="0" anchor="ctr"/>
-            <a:lstStyle/>
-            <a:p>
-              <a:pPr algn="ctr"/>
-              <a:endParaRPr lang="ko-KR" altLang="en-US"/>
-            </a:p>
-          </p:txBody>
-        </p:sp>
-      </p:grpSp>
-      <p:pic>
-        <p:nvPicPr>
-          <p:cNvPr id="64" name="그림 63">
-            <a:extLst>
-              <a:ext uri="{FF2B5EF4-FFF2-40B4-BE49-F238E27FC236}">
-                <a16:creationId xmlns:a16="http://schemas.microsoft.com/office/drawing/2014/main" id="{0F308187-4045-4A9A-A256-994D97F5DC08}"/>
+                <a16:creationId xmlns:a16="http://schemas.microsoft.com/office/drawing/2014/main" id="{6CDB1C2D-200F-4E50-8F2F-348833822FC9}"/>
               </a:ext>
             </a:extLst>
           </p:cNvPr>
           <p:cNvPicPr>
-            <a:picLocks/>
+            <a:picLocks noChangeAspect="1"/>
           </p:cNvPicPr>
           <p:nvPr/>
         </p:nvPicPr>
         <p:blipFill rotWithShape="1">
-          <a:blip r:embed="rId10"/>
-          <a:srcRect t="4626" r="-1007" b="7951"/>
+          <a:blip r:embed="rId11">
+            <a:extLst>
+              <a:ext uri="{28A0092B-C50C-407E-A947-70E740481C1C}">
+                <a14:useLocalDpi xmlns:a14="http://schemas.microsoft.com/office/drawing/2010/main" val="0"/>
+              </a:ext>
+            </a:extLst>
+          </a:blip>
+          <a:srcRect l="1" t="4243" r="3210" b="20931"/>
           <a:stretch/>
         </p:blipFill>
         <p:spPr>
           <a:xfrm>
-            <a:off x="6211176" y="90785"/>
-            <a:ext cx="1897200" cy="3081600"/>
+            <a:off x="4249187" y="85746"/>
+            <a:ext cx="1888682" cy="3082565"/>
           </a:xfrm>
           <a:prstGeom prst="rect">
             <a:avLst/>
           </a:prstGeom>
         </p:spPr>
       </p:pic>
-      <p:pic>
-        <p:nvPicPr>
-          <p:cNvPr id="65" name="그림 64">
+      <p:sp>
+        <p:nvSpPr>
+          <p:cNvPr id="22" name="사각형: 둥근 모서리 21">
             <a:extLst>
               <a:ext uri="{FF2B5EF4-FFF2-40B4-BE49-F238E27FC236}">
-                <a16:creationId xmlns:a16="http://schemas.microsoft.com/office/drawing/2014/main" id="{53B1DF2F-007D-4626-9284-836A1ABC0E9B}"/>
+                <a16:creationId xmlns:a16="http://schemas.microsoft.com/office/drawing/2014/main" id="{FBA1CF69-533D-4FF7-861A-F43765B73CF2}"/>
               </a:ext>
             </a:extLst>
           </p:cNvPr>
-          <p:cNvPicPr>
-            <a:picLocks/>
-          </p:cNvPicPr>
+          <p:cNvSpPr/>
           <p:nvPr/>
-        </p:nvPicPr>
-        <p:blipFill rotWithShape="1">
-          <a:blip r:embed="rId11"/>
-          <a:srcRect l="-116" t="4611" r="-160" b="7728"/>
-          <a:stretch/>
-        </p:blipFill>
+        </p:nvSpPr>
         <p:spPr>
           <a:xfrm>
-            <a:off x="8218801" y="91840"/>
-            <a:ext cx="1897187" cy="2848224"/>
-          </a:xfrm>
-          <a:prstGeom prst="rect">
+            <a:off x="4249186" y="1036314"/>
+            <a:ext cx="802786" cy="188536"/>
+          </a:xfrm>
+          <a:prstGeom prst="roundRect">
             <a:avLst/>
           </a:prstGeom>
-        </p:spPr>
-      </p:pic>
+          <a:noFill/>
+          <a:ln w="19050">
+            <a:solidFill>
+              <a:srgbClr val="FF0000"/>
+            </a:solidFill>
+          </a:ln>
+        </p:spPr>
+        <p:style>
+          <a:lnRef idx="2">
+            <a:schemeClr val="accent1">
+              <a:shade val="50000"/>
+            </a:schemeClr>
+          </a:lnRef>
+          <a:fillRef idx="1">
+            <a:schemeClr val="accent1"/>
+          </a:fillRef>
+          <a:effectRef idx="0">
+            <a:schemeClr val="accent1"/>
+          </a:effectRef>
+          <a:fontRef idx="minor">
+            <a:schemeClr val="lt1"/>
+          </a:fontRef>
+        </p:style>
+        <p:txBody>
+          <a:bodyPr rtlCol="0" anchor="ctr"/>
+          <a:lstStyle/>
+          <a:p>
+            <a:pPr algn="ctr"/>
+            <a:endParaRPr lang="ko-KR" altLang="en-US"/>
+          </a:p>
+        </p:txBody>
+      </p:sp>
+      <p:sp>
+        <p:nvSpPr>
+          <p:cNvPr id="23" name="사각형: 둥근 모서리 22">
+            <a:extLst>
+              <a:ext uri="{FF2B5EF4-FFF2-40B4-BE49-F238E27FC236}">
+                <a16:creationId xmlns:a16="http://schemas.microsoft.com/office/drawing/2014/main" id="{99121E7D-A98C-4626-99BF-623AA439CE88}"/>
+              </a:ext>
+            </a:extLst>
+          </p:cNvPr>
+          <p:cNvSpPr/>
+          <p:nvPr/>
+        </p:nvSpPr>
+        <p:spPr>
+          <a:xfrm>
+            <a:off x="4249186" y="811702"/>
+            <a:ext cx="393989" cy="188536"/>
+          </a:xfrm>
+          <a:prstGeom prst="roundRect">
+            <a:avLst/>
+          </a:prstGeom>
+          <a:noFill/>
+          <a:ln w="19050">
+            <a:solidFill>
+              <a:srgbClr val="0070C0"/>
+            </a:solidFill>
+          </a:ln>
+        </p:spPr>
+        <p:style>
+          <a:lnRef idx="2">
+            <a:schemeClr val="accent1">
+              <a:shade val="50000"/>
+            </a:schemeClr>
+          </a:lnRef>
+          <a:fillRef idx="1">
+            <a:schemeClr val="accent1"/>
+          </a:fillRef>
+          <a:effectRef idx="0">
+            <a:schemeClr val="accent1"/>
+          </a:effectRef>
+          <a:fontRef idx="minor">
+            <a:schemeClr val="lt1"/>
+          </a:fontRef>
+        </p:style>
+        <p:txBody>
+          <a:bodyPr rtlCol="0" anchor="ctr"/>
+          <a:lstStyle/>
+          <a:p>
+            <a:pPr algn="ctr"/>
+            <a:endParaRPr lang="ko-KR" altLang="en-US"/>
+          </a:p>
+        </p:txBody>
+      </p:sp>
+      <p:sp>
+        <p:nvSpPr>
+          <p:cNvPr id="24" name="사각형: 둥근 모서리 23">
+            <a:extLst>
+              <a:ext uri="{FF2B5EF4-FFF2-40B4-BE49-F238E27FC236}">
+                <a16:creationId xmlns:a16="http://schemas.microsoft.com/office/drawing/2014/main" id="{FE7D0F12-4474-404E-B17F-ABA8CD141C7B}"/>
+              </a:ext>
+            </a:extLst>
+          </p:cNvPr>
+          <p:cNvSpPr/>
+          <p:nvPr/>
+        </p:nvSpPr>
+        <p:spPr>
+          <a:xfrm>
+            <a:off x="4249186" y="1260926"/>
+            <a:ext cx="631382" cy="188536"/>
+          </a:xfrm>
+          <a:prstGeom prst="roundRect">
+            <a:avLst/>
+          </a:prstGeom>
+          <a:noFill/>
+          <a:ln w="19050">
+            <a:solidFill>
+              <a:schemeClr val="accent4"/>
+            </a:solidFill>
+          </a:ln>
+        </p:spPr>
+        <p:style>
+          <a:lnRef idx="2">
+            <a:schemeClr val="accent1">
+              <a:shade val="50000"/>
+            </a:schemeClr>
+          </a:lnRef>
+          <a:fillRef idx="1">
+            <a:schemeClr val="accent1"/>
+          </a:fillRef>
+          <a:effectRef idx="0">
+            <a:schemeClr val="accent1"/>
+          </a:effectRef>
+          <a:fontRef idx="minor">
+            <a:schemeClr val="lt1"/>
+          </a:fontRef>
+        </p:style>
+        <p:txBody>
+          <a:bodyPr rtlCol="0" anchor="ctr"/>
+          <a:lstStyle/>
+          <a:p>
+            <a:pPr algn="ctr"/>
+            <a:endParaRPr lang="ko-KR" altLang="en-US"/>
+          </a:p>
+        </p:txBody>
+      </p:sp>
+      <p:sp>
+        <p:nvSpPr>
+          <p:cNvPr id="25" name="사각형: 둥근 모서리 24">
+            <a:extLst>
+              <a:ext uri="{FF2B5EF4-FFF2-40B4-BE49-F238E27FC236}">
+                <a16:creationId xmlns:a16="http://schemas.microsoft.com/office/drawing/2014/main" id="{829D86F1-0AC5-428C-B530-C37A5509BC34}"/>
+              </a:ext>
+            </a:extLst>
+          </p:cNvPr>
+          <p:cNvSpPr/>
+          <p:nvPr/>
+        </p:nvSpPr>
+        <p:spPr>
+          <a:xfrm>
+            <a:off x="4241782" y="1482396"/>
+            <a:ext cx="401393" cy="188536"/>
+          </a:xfrm>
+          <a:prstGeom prst="roundRect">
+            <a:avLst/>
+          </a:prstGeom>
+          <a:noFill/>
+          <a:ln w="19050">
+            <a:solidFill>
+              <a:schemeClr val="accent6"/>
+            </a:solidFill>
+          </a:ln>
+        </p:spPr>
+        <p:style>
+          <a:lnRef idx="2">
+            <a:schemeClr val="accent1">
+              <a:shade val="50000"/>
+            </a:schemeClr>
+          </a:lnRef>
+          <a:fillRef idx="1">
+            <a:schemeClr val="accent1"/>
+          </a:fillRef>
+          <a:effectRef idx="0">
+            <a:schemeClr val="accent1"/>
+          </a:effectRef>
+          <a:fontRef idx="minor">
+            <a:schemeClr val="lt1"/>
+          </a:fontRef>
+        </p:style>
+        <p:txBody>
+          <a:bodyPr rtlCol="0" anchor="ctr"/>
+          <a:lstStyle/>
+          <a:p>
+            <a:pPr algn="ctr"/>
+            <a:endParaRPr lang="ko-KR" altLang="en-US"/>
+          </a:p>
+        </p:txBody>
+      </p:sp>
+      <p:sp>
+        <p:nvSpPr>
+          <p:cNvPr id="26" name="사각형: 둥근 모서리 25">
+            <a:extLst>
+              <a:ext uri="{FF2B5EF4-FFF2-40B4-BE49-F238E27FC236}">
+                <a16:creationId xmlns:a16="http://schemas.microsoft.com/office/drawing/2014/main" id="{D9C5E6D0-1733-40F2-A5D2-E35E61A1153C}"/>
+              </a:ext>
+            </a:extLst>
+          </p:cNvPr>
+          <p:cNvSpPr/>
+          <p:nvPr/>
+        </p:nvSpPr>
+        <p:spPr>
+          <a:xfrm>
+            <a:off x="4241782" y="1714259"/>
+            <a:ext cx="401393" cy="188536"/>
+          </a:xfrm>
+          <a:prstGeom prst="roundRect">
+            <a:avLst/>
+          </a:prstGeom>
+          <a:noFill/>
+          <a:ln w="19050">
+            <a:solidFill>
+              <a:srgbClr val="7030A0"/>
+            </a:solidFill>
+          </a:ln>
+        </p:spPr>
+        <p:style>
+          <a:lnRef idx="2">
+            <a:schemeClr val="accent1">
+              <a:shade val="50000"/>
+            </a:schemeClr>
+          </a:lnRef>
+          <a:fillRef idx="1">
+            <a:schemeClr val="accent1"/>
+          </a:fillRef>
+          <a:effectRef idx="0">
+            <a:schemeClr val="accent1"/>
+          </a:effectRef>
+          <a:fontRef idx="minor">
+            <a:schemeClr val="lt1"/>
+          </a:fontRef>
+        </p:style>
+        <p:txBody>
+          <a:bodyPr rtlCol="0" anchor="ctr"/>
+          <a:lstStyle/>
+          <a:p>
+            <a:pPr algn="ctr"/>
+            <a:endParaRPr lang="ko-KR" altLang="en-US"/>
+          </a:p>
+        </p:txBody>
+      </p:sp>
       <p:cxnSp>
         <p:nvCxnSpPr>
           <p:cNvPr id="77" name="직선 연결선 76">
@@ -3620,13 +3605,13 @@
         </p:nvCxnSpPr>
         <p:spPr>
           <a:xfrm flipH="1">
-            <a:off x="4081994" y="1128631"/>
-            <a:ext cx="169757" cy="0"/>
+            <a:off x="4136895" y="1128631"/>
+            <a:ext cx="114860" cy="0"/>
           </a:xfrm>
           <a:prstGeom prst="line">
             <a:avLst/>
           </a:prstGeom>
-          <a:ln w="19050">
+          <a:ln w="60325">
             <a:solidFill>
               <a:srgbClr val="FF0000"/>
             </a:solidFill>
@@ -3647,631 +3632,483 @@
           </a:fontRef>
         </p:style>
       </p:cxnSp>
-      <p:grpSp>
-        <p:nvGrpSpPr>
-          <p:cNvPr id="130" name="그룹 129">
+      <p:cxnSp>
+        <p:nvCxnSpPr>
+          <p:cNvPr id="79" name="직선 연결선 78">
             <a:extLst>
               <a:ext uri="{FF2B5EF4-FFF2-40B4-BE49-F238E27FC236}">
-                <a16:creationId xmlns:a16="http://schemas.microsoft.com/office/drawing/2014/main" id="{B6D93861-1FBE-4658-8527-737C4EE0561A}"/>
+                <a16:creationId xmlns:a16="http://schemas.microsoft.com/office/drawing/2014/main" id="{DDB04A2B-7E2D-488A-9259-9088B85DAA4C}"/>
               </a:ext>
             </a:extLst>
           </p:cNvPr>
-          <p:cNvGrpSpPr/>
+          <p:cNvCxnSpPr>
+            <a:cxnSpLocks/>
+          </p:cNvCxnSpPr>
           <p:nvPr/>
-        </p:nvGrpSpPr>
-        <p:grpSpPr>
-          <a:xfrm>
-            <a:off x="944320" y="1128631"/>
-            <a:ext cx="4167101" cy="2300369"/>
-            <a:chOff x="1036920" y="1128631"/>
-            <a:chExt cx="4167101" cy="2300369"/>
-          </a:xfrm>
-        </p:grpSpPr>
-        <p:cxnSp>
-          <p:nvCxnSpPr>
-            <p:cNvPr id="79" name="직선 연결선 78">
-              <a:extLst>
-                <a:ext uri="{FF2B5EF4-FFF2-40B4-BE49-F238E27FC236}">
-                  <a16:creationId xmlns:a16="http://schemas.microsoft.com/office/drawing/2014/main" id="{DDB04A2B-7E2D-488A-9259-9088B85DAA4C}"/>
-                </a:ext>
-              </a:extLst>
-            </p:cNvPr>
-            <p:cNvCxnSpPr>
-              <a:cxnSpLocks/>
-            </p:cNvCxnSpPr>
-            <p:nvPr/>
-          </p:nvCxnSpPr>
-          <p:spPr>
-            <a:xfrm flipH="1" flipV="1">
-              <a:off x="4259473" y="1128631"/>
-              <a:ext cx="11719" cy="2198771"/>
-            </a:xfrm>
-            <a:prstGeom prst="line">
-              <a:avLst/>
-            </a:prstGeom>
-            <a:ln w="28575">
-              <a:solidFill>
-                <a:srgbClr val="FF0000"/>
-              </a:solidFill>
-            </a:ln>
-          </p:spPr>
-          <p:style>
-            <a:lnRef idx="1">
-              <a:schemeClr val="accent1"/>
-            </a:lnRef>
-            <a:fillRef idx="0">
-              <a:schemeClr val="accent1"/>
-            </a:fillRef>
-            <a:effectRef idx="0">
-              <a:schemeClr val="accent1"/>
-            </a:effectRef>
-            <a:fontRef idx="minor">
-              <a:schemeClr val="tx1"/>
-            </a:fontRef>
-          </p:style>
-        </p:cxnSp>
-        <p:cxnSp>
-          <p:nvCxnSpPr>
-            <p:cNvPr id="82" name="직선 연결선 81">
-              <a:extLst>
-                <a:ext uri="{FF2B5EF4-FFF2-40B4-BE49-F238E27FC236}">
-                  <a16:creationId xmlns:a16="http://schemas.microsoft.com/office/drawing/2014/main" id="{F794BA31-243E-4A2C-9506-A36608A7F7D1}"/>
-                </a:ext>
-              </a:extLst>
-            </p:cNvPr>
-            <p:cNvCxnSpPr>
-              <a:cxnSpLocks/>
-            </p:cNvCxnSpPr>
-            <p:nvPr/>
-          </p:nvCxnSpPr>
-          <p:spPr>
-            <a:xfrm flipV="1">
-              <a:off x="1036920" y="3325450"/>
-              <a:ext cx="4167101" cy="3906"/>
-            </a:xfrm>
-            <a:prstGeom prst="line">
-              <a:avLst/>
-            </a:prstGeom>
-            <a:ln w="28575">
-              <a:solidFill>
-                <a:srgbClr val="FF0000"/>
-              </a:solidFill>
-            </a:ln>
-          </p:spPr>
-          <p:style>
-            <a:lnRef idx="1">
-              <a:schemeClr val="accent1"/>
-            </a:lnRef>
-            <a:fillRef idx="0">
-              <a:schemeClr val="accent1"/>
-            </a:fillRef>
-            <a:effectRef idx="0">
-              <a:schemeClr val="accent1"/>
-            </a:effectRef>
-            <a:fontRef idx="minor">
-              <a:schemeClr val="tx1"/>
-            </a:fontRef>
-          </p:style>
-        </p:cxnSp>
-        <p:cxnSp>
-          <p:nvCxnSpPr>
-            <p:cNvPr id="86" name="직선 연결선 85">
-              <a:extLst>
-                <a:ext uri="{FF2B5EF4-FFF2-40B4-BE49-F238E27FC236}">
-                  <a16:creationId xmlns:a16="http://schemas.microsoft.com/office/drawing/2014/main" id="{A3A3DD0C-DCBA-40C2-AED1-19971BDAD139}"/>
-                </a:ext>
-              </a:extLst>
-            </p:cNvPr>
-            <p:cNvCxnSpPr>
-              <a:cxnSpLocks/>
-              <a:stCxn id="13" idx="0"/>
-            </p:cNvCxnSpPr>
-            <p:nvPr/>
-          </p:nvCxnSpPr>
-          <p:spPr>
-            <a:xfrm flipH="1" flipV="1">
-              <a:off x="1036920" y="3329354"/>
-              <a:ext cx="265" cy="99646"/>
-            </a:xfrm>
-            <a:prstGeom prst="line">
-              <a:avLst/>
-            </a:prstGeom>
-            <a:ln w="28575">
-              <a:solidFill>
-                <a:srgbClr val="FF0000"/>
-              </a:solidFill>
-            </a:ln>
-          </p:spPr>
-          <p:style>
-            <a:lnRef idx="1">
-              <a:schemeClr val="accent1"/>
-            </a:lnRef>
-            <a:fillRef idx="0">
-              <a:schemeClr val="accent1"/>
-            </a:fillRef>
-            <a:effectRef idx="0">
-              <a:schemeClr val="accent1"/>
-            </a:effectRef>
-            <a:fontRef idx="minor">
-              <a:schemeClr val="tx1"/>
-            </a:fontRef>
-          </p:style>
-        </p:cxnSp>
-        <p:cxnSp>
-          <p:nvCxnSpPr>
-            <p:cNvPr id="90" name="직선 연결선 89">
-              <a:extLst>
-                <a:ext uri="{FF2B5EF4-FFF2-40B4-BE49-F238E27FC236}">
-                  <a16:creationId xmlns:a16="http://schemas.microsoft.com/office/drawing/2014/main" id="{F0495D42-A92E-40E3-9BC7-B96AE9BFF43D}"/>
-                </a:ext>
-              </a:extLst>
-            </p:cNvPr>
-            <p:cNvCxnSpPr>
-              <a:cxnSpLocks/>
-            </p:cNvCxnSpPr>
-            <p:nvPr/>
-          </p:nvCxnSpPr>
-          <p:spPr>
-            <a:xfrm flipH="1" flipV="1">
-              <a:off x="3317678" y="3325450"/>
-              <a:ext cx="265" cy="99646"/>
-            </a:xfrm>
-            <a:prstGeom prst="line">
-              <a:avLst/>
-            </a:prstGeom>
-            <a:ln w="28575">
-              <a:solidFill>
-                <a:srgbClr val="FF0000"/>
-              </a:solidFill>
-            </a:ln>
-          </p:spPr>
-          <p:style>
-            <a:lnRef idx="1">
-              <a:schemeClr val="accent1"/>
-            </a:lnRef>
-            <a:fillRef idx="0">
-              <a:schemeClr val="accent1"/>
-            </a:fillRef>
-            <a:effectRef idx="0">
-              <a:schemeClr val="accent1"/>
-            </a:effectRef>
-            <a:fontRef idx="minor">
-              <a:schemeClr val="tx1"/>
-            </a:fontRef>
-          </p:style>
-        </p:cxnSp>
-        <p:cxnSp>
-          <p:nvCxnSpPr>
-            <p:cNvPr id="91" name="직선 연결선 90">
-              <a:extLst>
-                <a:ext uri="{FF2B5EF4-FFF2-40B4-BE49-F238E27FC236}">
-                  <a16:creationId xmlns:a16="http://schemas.microsoft.com/office/drawing/2014/main" id="{6A25EDE3-AC26-45E1-A258-6A72E4F215AF}"/>
-                </a:ext>
-              </a:extLst>
-            </p:cNvPr>
-            <p:cNvCxnSpPr>
-              <a:cxnSpLocks/>
-              <a:stCxn id="17" idx="0"/>
-            </p:cNvCxnSpPr>
-            <p:nvPr/>
-          </p:nvCxnSpPr>
-          <p:spPr>
-            <a:xfrm flipV="1">
-              <a:off x="5204021" y="3325450"/>
-              <a:ext cx="0" cy="103550"/>
-            </a:xfrm>
-            <a:prstGeom prst="line">
-              <a:avLst/>
-            </a:prstGeom>
-            <a:ln w="28575">
-              <a:solidFill>
-                <a:srgbClr val="FF0000"/>
-              </a:solidFill>
-            </a:ln>
-          </p:spPr>
-          <p:style>
-            <a:lnRef idx="1">
-              <a:schemeClr val="accent1"/>
-            </a:lnRef>
-            <a:fillRef idx="0">
-              <a:schemeClr val="accent1"/>
-            </a:fillRef>
-            <a:effectRef idx="0">
-              <a:schemeClr val="accent1"/>
-            </a:effectRef>
-            <a:fontRef idx="minor">
-              <a:schemeClr val="tx1"/>
-            </a:fontRef>
-          </p:style>
-        </p:cxnSp>
-      </p:grpSp>
-      <p:grpSp>
-        <p:nvGrpSpPr>
-          <p:cNvPr id="129" name="그룹 128">
+        </p:nvCxnSpPr>
+        <p:spPr>
+          <a:xfrm flipH="1" flipV="1">
+            <a:off x="4166873" y="1128631"/>
+            <a:ext cx="11719" cy="2198771"/>
+          </a:xfrm>
+          <a:prstGeom prst="line">
+            <a:avLst/>
+          </a:prstGeom>
+          <a:ln w="60325">
+            <a:solidFill>
+              <a:srgbClr val="FF0000"/>
+            </a:solidFill>
+          </a:ln>
+        </p:spPr>
+        <p:style>
+          <a:lnRef idx="1">
+            <a:schemeClr val="accent1"/>
+          </a:lnRef>
+          <a:fillRef idx="0">
+            <a:schemeClr val="accent1"/>
+          </a:fillRef>
+          <a:effectRef idx="0">
+            <a:schemeClr val="accent1"/>
+          </a:effectRef>
+          <a:fontRef idx="minor">
+            <a:schemeClr val="tx1"/>
+          </a:fontRef>
+        </p:style>
+      </p:cxnSp>
+      <p:cxnSp>
+        <p:nvCxnSpPr>
+          <p:cNvPr id="82" name="직선 연결선 81">
             <a:extLst>
               <a:ext uri="{FF2B5EF4-FFF2-40B4-BE49-F238E27FC236}">
-                <a16:creationId xmlns:a16="http://schemas.microsoft.com/office/drawing/2014/main" id="{C2558A4F-00D4-41BC-9D20-92E0CF9E4383}"/>
+                <a16:creationId xmlns:a16="http://schemas.microsoft.com/office/drawing/2014/main" id="{F794BA31-243E-4A2C-9506-A36608A7F7D1}"/>
               </a:ext>
             </a:extLst>
           </p:cNvPr>
-          <p:cNvGrpSpPr/>
+          <p:cNvCxnSpPr>
+            <a:cxnSpLocks/>
+          </p:cNvCxnSpPr>
           <p:nvPr/>
-        </p:nvGrpSpPr>
-        <p:grpSpPr>
+        </p:nvCxnSpPr>
+        <p:spPr>
           <a:xfrm>
-            <a:off x="4643175" y="1808527"/>
-            <a:ext cx="4524219" cy="1635574"/>
-            <a:chOff x="4932546" y="1808527"/>
-            <a:chExt cx="4524219" cy="1635574"/>
-          </a:xfrm>
-        </p:grpSpPr>
-        <p:cxnSp>
-          <p:nvCxnSpPr>
-            <p:cNvPr id="101" name="직선 연결선 100">
-              <a:extLst>
-                <a:ext uri="{FF2B5EF4-FFF2-40B4-BE49-F238E27FC236}">
-                  <a16:creationId xmlns:a16="http://schemas.microsoft.com/office/drawing/2014/main" id="{6FBED5A7-4E59-42C1-BED1-D2E0212185F6}"/>
-                </a:ext>
-              </a:extLst>
-            </p:cNvPr>
-            <p:cNvCxnSpPr>
-              <a:cxnSpLocks/>
-            </p:cNvCxnSpPr>
-            <p:nvPr/>
-          </p:nvCxnSpPr>
-          <p:spPr>
-            <a:xfrm flipH="1">
-              <a:off x="4932546" y="1808527"/>
-              <a:ext cx="1054039" cy="0"/>
-            </a:xfrm>
-            <a:prstGeom prst="line">
-              <a:avLst/>
-            </a:prstGeom>
-            <a:ln w="28575">
-              <a:solidFill>
-                <a:srgbClr val="7030A0"/>
-              </a:solidFill>
-            </a:ln>
-          </p:spPr>
-          <p:style>
-            <a:lnRef idx="1">
-              <a:schemeClr val="accent1"/>
-            </a:lnRef>
-            <a:fillRef idx="0">
-              <a:schemeClr val="accent1"/>
-            </a:fillRef>
-            <a:effectRef idx="0">
-              <a:schemeClr val="accent1"/>
-            </a:effectRef>
-            <a:fontRef idx="minor">
-              <a:schemeClr val="tx1"/>
-            </a:fontRef>
-          </p:style>
-        </p:cxnSp>
-        <p:cxnSp>
-          <p:nvCxnSpPr>
-            <p:cNvPr id="104" name="직선 연결선 103">
-              <a:extLst>
-                <a:ext uri="{FF2B5EF4-FFF2-40B4-BE49-F238E27FC236}">
-                  <a16:creationId xmlns:a16="http://schemas.microsoft.com/office/drawing/2014/main" id="{75DE8EE2-8E7D-4CD7-B782-23628EFF52D9}"/>
-                </a:ext>
-              </a:extLst>
-            </p:cNvPr>
-            <p:cNvCxnSpPr>
-              <a:cxnSpLocks/>
-            </p:cNvCxnSpPr>
-            <p:nvPr/>
-          </p:nvCxnSpPr>
-          <p:spPr>
-            <a:xfrm flipH="1" flipV="1">
-              <a:off x="5981098" y="1808528"/>
-              <a:ext cx="5487" cy="1566745"/>
-            </a:xfrm>
-            <a:prstGeom prst="line">
-              <a:avLst/>
-            </a:prstGeom>
-            <a:ln w="28575">
-              <a:solidFill>
-                <a:srgbClr val="7030A0"/>
-              </a:solidFill>
-            </a:ln>
-          </p:spPr>
-          <p:style>
-            <a:lnRef idx="1">
-              <a:schemeClr val="accent1"/>
-            </a:lnRef>
-            <a:fillRef idx="0">
-              <a:schemeClr val="accent1"/>
-            </a:fillRef>
-            <a:effectRef idx="0">
-              <a:schemeClr val="accent1"/>
-            </a:effectRef>
-            <a:fontRef idx="minor">
-              <a:schemeClr val="tx1"/>
-            </a:fontRef>
-          </p:style>
-        </p:cxnSp>
-        <p:cxnSp>
-          <p:nvCxnSpPr>
-            <p:cNvPr id="107" name="직선 연결선 106">
-              <a:extLst>
-                <a:ext uri="{FF2B5EF4-FFF2-40B4-BE49-F238E27FC236}">
-                  <a16:creationId xmlns:a16="http://schemas.microsoft.com/office/drawing/2014/main" id="{BC04C51E-8D0E-4996-AEA6-713FE24CE1F3}"/>
-                </a:ext>
-              </a:extLst>
-            </p:cNvPr>
-            <p:cNvCxnSpPr>
-              <a:cxnSpLocks/>
-            </p:cNvCxnSpPr>
-            <p:nvPr/>
-          </p:nvCxnSpPr>
-          <p:spPr>
-            <a:xfrm>
-              <a:off x="5981098" y="3363191"/>
-              <a:ext cx="3475667" cy="0"/>
-            </a:xfrm>
-            <a:prstGeom prst="line">
-              <a:avLst/>
-            </a:prstGeom>
-            <a:ln w="28575">
-              <a:solidFill>
-                <a:srgbClr val="7030A0"/>
-              </a:solidFill>
-            </a:ln>
-          </p:spPr>
-          <p:style>
-            <a:lnRef idx="1">
-              <a:schemeClr val="accent1"/>
-            </a:lnRef>
-            <a:fillRef idx="0">
-              <a:schemeClr val="accent1"/>
-            </a:fillRef>
-            <a:effectRef idx="0">
-              <a:schemeClr val="accent1"/>
-            </a:effectRef>
-            <a:fontRef idx="minor">
-              <a:schemeClr val="tx1"/>
-            </a:fontRef>
-          </p:style>
-        </p:cxnSp>
-        <p:cxnSp>
-          <p:nvCxnSpPr>
-            <p:cNvPr id="110" name="직선 연결선 109">
-              <a:extLst>
-                <a:ext uri="{FF2B5EF4-FFF2-40B4-BE49-F238E27FC236}">
-                  <a16:creationId xmlns:a16="http://schemas.microsoft.com/office/drawing/2014/main" id="{C331A9BC-1502-4907-903F-490286B9B057}"/>
-                </a:ext>
-              </a:extLst>
-            </p:cNvPr>
-            <p:cNvCxnSpPr>
-              <a:cxnSpLocks/>
-            </p:cNvCxnSpPr>
-            <p:nvPr/>
-          </p:nvCxnSpPr>
-          <p:spPr>
-            <a:xfrm flipH="1" flipV="1">
-              <a:off x="9439068" y="3363191"/>
-              <a:ext cx="1" cy="80910"/>
-            </a:xfrm>
-            <a:prstGeom prst="line">
-              <a:avLst/>
-            </a:prstGeom>
-            <a:ln w="28575">
-              <a:solidFill>
-                <a:srgbClr val="7030A0"/>
-              </a:solidFill>
-            </a:ln>
-          </p:spPr>
-          <p:style>
-            <a:lnRef idx="1">
-              <a:schemeClr val="accent1"/>
-            </a:lnRef>
-            <a:fillRef idx="0">
-              <a:schemeClr val="accent1"/>
-            </a:fillRef>
-            <a:effectRef idx="0">
-              <a:schemeClr val="accent1"/>
-            </a:effectRef>
-            <a:fontRef idx="minor">
-              <a:schemeClr val="tx1"/>
-            </a:fontRef>
-          </p:style>
-        </p:cxnSp>
-      </p:grpSp>
-      <p:grpSp>
-        <p:nvGrpSpPr>
-          <p:cNvPr id="128" name="그룹 127">
+            <a:off x="910869" y="3329356"/>
+            <a:ext cx="4232631" cy="0"/>
+          </a:xfrm>
+          <a:prstGeom prst="line">
+            <a:avLst/>
+          </a:prstGeom>
+          <a:ln w="60325">
+            <a:solidFill>
+              <a:srgbClr val="FF0000"/>
+            </a:solidFill>
+          </a:ln>
+        </p:spPr>
+        <p:style>
+          <a:lnRef idx="1">
+            <a:schemeClr val="accent1"/>
+          </a:lnRef>
+          <a:fillRef idx="0">
+            <a:schemeClr val="accent1"/>
+          </a:fillRef>
+          <a:effectRef idx="0">
+            <a:schemeClr val="accent1"/>
+          </a:effectRef>
+          <a:fontRef idx="minor">
+            <a:schemeClr val="tx1"/>
+          </a:fontRef>
+        </p:style>
+      </p:cxnSp>
+      <p:cxnSp>
+        <p:nvCxnSpPr>
+          <p:cNvPr id="86" name="직선 연결선 85">
             <a:extLst>
               <a:ext uri="{FF2B5EF4-FFF2-40B4-BE49-F238E27FC236}">
-                <a16:creationId xmlns:a16="http://schemas.microsoft.com/office/drawing/2014/main" id="{F8017F9D-47DC-4297-878F-C56B949E4657}"/>
+                <a16:creationId xmlns:a16="http://schemas.microsoft.com/office/drawing/2014/main" id="{A3A3DD0C-DCBA-40C2-AED1-19971BDAD139}"/>
               </a:ext>
             </a:extLst>
           </p:cNvPr>
-          <p:cNvGrpSpPr/>
+          <p:cNvCxnSpPr>
+            <a:cxnSpLocks/>
+          </p:cNvCxnSpPr>
           <p:nvPr/>
-        </p:nvGrpSpPr>
-        <p:grpSpPr>
+        </p:nvCxnSpPr>
+        <p:spPr>
+          <a:xfrm flipH="1" flipV="1">
+            <a:off x="940514" y="3318993"/>
+            <a:ext cx="1" cy="274991"/>
+          </a:xfrm>
+          <a:prstGeom prst="line">
+            <a:avLst/>
+          </a:prstGeom>
+          <a:ln w="60325">
+            <a:solidFill>
+              <a:srgbClr val="FF0000"/>
+            </a:solidFill>
+            <a:headEnd type="triangle"/>
+          </a:ln>
+        </p:spPr>
+        <p:style>
+          <a:lnRef idx="1">
+            <a:schemeClr val="accent1"/>
+          </a:lnRef>
+          <a:fillRef idx="0">
+            <a:schemeClr val="accent1"/>
+          </a:fillRef>
+          <a:effectRef idx="0">
+            <a:schemeClr val="accent1"/>
+          </a:effectRef>
+          <a:fontRef idx="minor">
+            <a:schemeClr val="tx1"/>
+          </a:fontRef>
+        </p:style>
+      </p:cxnSp>
+      <p:cxnSp>
+        <p:nvCxnSpPr>
+          <p:cNvPr id="101" name="직선 연결선 100">
+            <a:extLst>
+              <a:ext uri="{FF2B5EF4-FFF2-40B4-BE49-F238E27FC236}">
+                <a16:creationId xmlns:a16="http://schemas.microsoft.com/office/drawing/2014/main" id="{6FBED5A7-4E59-42C1-BED1-D2E0212185F6}"/>
+              </a:ext>
+            </a:extLst>
+          </p:cNvPr>
+          <p:cNvCxnSpPr>
+            <a:cxnSpLocks/>
+          </p:cNvCxnSpPr>
+          <p:nvPr/>
+        </p:nvCxnSpPr>
+        <p:spPr>
+          <a:xfrm flipH="1">
+            <a:off x="4643176" y="1808527"/>
+            <a:ext cx="1078174" cy="0"/>
+          </a:xfrm>
+          <a:prstGeom prst="line">
+            <a:avLst/>
+          </a:prstGeom>
+          <a:ln w="60325">
+            <a:solidFill>
+              <a:srgbClr val="7030A0"/>
+            </a:solidFill>
+          </a:ln>
+        </p:spPr>
+        <p:style>
+          <a:lnRef idx="1">
+            <a:schemeClr val="accent1"/>
+          </a:lnRef>
+          <a:fillRef idx="0">
+            <a:schemeClr val="accent1"/>
+          </a:fillRef>
+          <a:effectRef idx="0">
+            <a:schemeClr val="accent1"/>
+          </a:effectRef>
+          <a:fontRef idx="minor">
+            <a:schemeClr val="tx1"/>
+          </a:fontRef>
+        </p:style>
+      </p:cxnSp>
+      <p:cxnSp>
+        <p:nvCxnSpPr>
+          <p:cNvPr id="104" name="직선 연결선 103">
+            <a:extLst>
+              <a:ext uri="{FF2B5EF4-FFF2-40B4-BE49-F238E27FC236}">
+                <a16:creationId xmlns:a16="http://schemas.microsoft.com/office/drawing/2014/main" id="{75DE8EE2-8E7D-4CD7-B782-23628EFF52D9}"/>
+              </a:ext>
+            </a:extLst>
+          </p:cNvPr>
+          <p:cNvCxnSpPr>
+            <a:cxnSpLocks/>
+          </p:cNvCxnSpPr>
+          <p:nvPr/>
+        </p:nvCxnSpPr>
+        <p:spPr>
+          <a:xfrm flipH="1" flipV="1">
+            <a:off x="5691728" y="1808529"/>
+            <a:ext cx="5486" cy="1566744"/>
+          </a:xfrm>
+          <a:prstGeom prst="line">
+            <a:avLst/>
+          </a:prstGeom>
+          <a:ln w="60325">
+            <a:solidFill>
+              <a:srgbClr val="7030A0"/>
+            </a:solidFill>
+          </a:ln>
+        </p:spPr>
+        <p:style>
+          <a:lnRef idx="1">
+            <a:schemeClr val="accent1"/>
+          </a:lnRef>
+          <a:fillRef idx="0">
+            <a:schemeClr val="accent1"/>
+          </a:fillRef>
+          <a:effectRef idx="0">
+            <a:schemeClr val="accent1"/>
+          </a:effectRef>
+          <a:fontRef idx="minor">
+            <a:schemeClr val="tx1"/>
+          </a:fontRef>
+        </p:style>
+      </p:cxnSp>
+      <p:cxnSp>
+        <p:nvCxnSpPr>
+          <p:cNvPr id="107" name="직선 연결선 106">
+            <a:extLst>
+              <a:ext uri="{FF2B5EF4-FFF2-40B4-BE49-F238E27FC236}">
+                <a16:creationId xmlns:a16="http://schemas.microsoft.com/office/drawing/2014/main" id="{BC04C51E-8D0E-4996-AEA6-713FE24CE1F3}"/>
+              </a:ext>
+            </a:extLst>
+          </p:cNvPr>
+          <p:cNvCxnSpPr>
+            <a:cxnSpLocks/>
+          </p:cNvCxnSpPr>
+          <p:nvPr/>
+        </p:nvCxnSpPr>
+        <p:spPr>
           <a:xfrm>
-            <a:off x="4643177" y="1564970"/>
-            <a:ext cx="2288239" cy="1864030"/>
-            <a:chOff x="4932548" y="1564970"/>
-            <a:chExt cx="2288239" cy="1864030"/>
-          </a:xfrm>
-        </p:grpSpPr>
-        <p:cxnSp>
-          <p:nvCxnSpPr>
-            <p:cNvPr id="113" name="직선 연결선 112">
-              <a:extLst>
-                <a:ext uri="{FF2B5EF4-FFF2-40B4-BE49-F238E27FC236}">
-                  <a16:creationId xmlns:a16="http://schemas.microsoft.com/office/drawing/2014/main" id="{A125AFF1-3EF9-4250-AEC9-8A080FFF7B89}"/>
-                </a:ext>
-              </a:extLst>
-            </p:cNvPr>
-            <p:cNvCxnSpPr>
-              <a:cxnSpLocks/>
-            </p:cNvCxnSpPr>
-            <p:nvPr/>
-          </p:nvCxnSpPr>
-          <p:spPr>
-            <a:xfrm flipH="1">
-              <a:off x="4932548" y="1576664"/>
-              <a:ext cx="1283956" cy="0"/>
-            </a:xfrm>
-            <a:prstGeom prst="line">
-              <a:avLst/>
-            </a:prstGeom>
-            <a:ln w="28575">
-              <a:solidFill>
-                <a:schemeClr val="accent6"/>
-              </a:solidFill>
-            </a:ln>
-          </p:spPr>
-          <p:style>
-            <a:lnRef idx="1">
-              <a:schemeClr val="accent1"/>
-            </a:lnRef>
-            <a:fillRef idx="0">
-              <a:schemeClr val="accent1"/>
-            </a:fillRef>
-            <a:effectRef idx="0">
-              <a:schemeClr val="accent1"/>
-            </a:effectRef>
-            <a:fontRef idx="minor">
-              <a:schemeClr val="tx1"/>
-            </a:fontRef>
-          </p:style>
-        </p:cxnSp>
-        <p:cxnSp>
-          <p:nvCxnSpPr>
-            <p:cNvPr id="115" name="직선 연결선 114">
-              <a:extLst>
-                <a:ext uri="{FF2B5EF4-FFF2-40B4-BE49-F238E27FC236}">
-                  <a16:creationId xmlns:a16="http://schemas.microsoft.com/office/drawing/2014/main" id="{4A8117CF-DAF3-4B29-A04A-63AE8E3875CB}"/>
-                </a:ext>
-              </a:extLst>
-            </p:cNvPr>
-            <p:cNvCxnSpPr>
-              <a:cxnSpLocks/>
-            </p:cNvCxnSpPr>
-            <p:nvPr/>
-          </p:nvCxnSpPr>
-          <p:spPr>
-            <a:xfrm flipH="1" flipV="1">
-              <a:off x="6216505" y="1564970"/>
-              <a:ext cx="7404" cy="1683476"/>
-            </a:xfrm>
-            <a:prstGeom prst="line">
-              <a:avLst/>
-            </a:prstGeom>
-            <a:ln w="28575">
-              <a:solidFill>
-                <a:schemeClr val="accent6"/>
-              </a:solidFill>
-            </a:ln>
-          </p:spPr>
-          <p:style>
-            <a:lnRef idx="1">
-              <a:schemeClr val="accent1"/>
-            </a:lnRef>
-            <a:fillRef idx="0">
-              <a:schemeClr val="accent1"/>
-            </a:fillRef>
-            <a:effectRef idx="0">
-              <a:schemeClr val="accent1"/>
-            </a:effectRef>
-            <a:fontRef idx="minor">
-              <a:schemeClr val="tx1"/>
-            </a:fontRef>
-          </p:style>
-        </p:cxnSp>
-        <p:cxnSp>
-          <p:nvCxnSpPr>
-            <p:cNvPr id="118" name="직선 연결선 117">
-              <a:extLst>
-                <a:ext uri="{FF2B5EF4-FFF2-40B4-BE49-F238E27FC236}">
-                  <a16:creationId xmlns:a16="http://schemas.microsoft.com/office/drawing/2014/main" id="{E4D0637F-4651-4301-A4EE-F5F4FD8BAE3C}"/>
-                </a:ext>
-              </a:extLst>
-            </p:cNvPr>
-            <p:cNvCxnSpPr>
-              <a:cxnSpLocks/>
-            </p:cNvCxnSpPr>
-            <p:nvPr/>
-          </p:nvCxnSpPr>
-          <p:spPr>
-            <a:xfrm>
-              <a:off x="6216504" y="3252520"/>
-              <a:ext cx="1000770" cy="0"/>
-            </a:xfrm>
-            <a:prstGeom prst="line">
-              <a:avLst/>
-            </a:prstGeom>
-            <a:ln w="28575">
-              <a:solidFill>
-                <a:schemeClr val="accent6"/>
-              </a:solidFill>
-            </a:ln>
-          </p:spPr>
-          <p:style>
-            <a:lnRef idx="1">
-              <a:schemeClr val="accent1"/>
-            </a:lnRef>
-            <a:fillRef idx="0">
-              <a:schemeClr val="accent1"/>
-            </a:fillRef>
-            <a:effectRef idx="0">
-              <a:schemeClr val="accent1"/>
-            </a:effectRef>
-            <a:fontRef idx="minor">
-              <a:schemeClr val="tx1"/>
-            </a:fontRef>
-          </p:style>
-        </p:cxnSp>
-        <p:cxnSp>
-          <p:nvCxnSpPr>
-            <p:cNvPr id="123" name="직선 연결선 122">
-              <a:extLst>
-                <a:ext uri="{FF2B5EF4-FFF2-40B4-BE49-F238E27FC236}">
-                  <a16:creationId xmlns:a16="http://schemas.microsoft.com/office/drawing/2014/main" id="{C9D94667-16A1-470E-9CB0-671C6C5FE783}"/>
-                </a:ext>
-              </a:extLst>
-            </p:cNvPr>
-            <p:cNvCxnSpPr>
-              <a:cxnSpLocks/>
-              <a:stCxn id="19" idx="0"/>
-            </p:cNvCxnSpPr>
-            <p:nvPr/>
-          </p:nvCxnSpPr>
-          <p:spPr>
-            <a:xfrm flipH="1" flipV="1">
-              <a:off x="7217274" y="3248446"/>
-              <a:ext cx="3513" cy="180554"/>
-            </a:xfrm>
-            <a:prstGeom prst="line">
-              <a:avLst/>
-            </a:prstGeom>
-            <a:ln w="28575">
-              <a:solidFill>
-                <a:schemeClr val="accent6"/>
-              </a:solidFill>
-            </a:ln>
-          </p:spPr>
-          <p:style>
-            <a:lnRef idx="1">
-              <a:schemeClr val="accent1"/>
-            </a:lnRef>
-            <a:fillRef idx="0">
-              <a:schemeClr val="accent1"/>
-            </a:fillRef>
-            <a:effectRef idx="0">
-              <a:schemeClr val="accent1"/>
-            </a:effectRef>
-            <a:fontRef idx="minor">
-              <a:schemeClr val="tx1"/>
-            </a:fontRef>
-          </p:style>
-        </p:cxnSp>
-      </p:grpSp>
+            <a:off x="5691728" y="3363191"/>
+            <a:ext cx="3475666" cy="0"/>
+          </a:xfrm>
+          <a:prstGeom prst="line">
+            <a:avLst/>
+          </a:prstGeom>
+          <a:ln w="60325">
+            <a:solidFill>
+              <a:srgbClr val="7030A0"/>
+            </a:solidFill>
+          </a:ln>
+        </p:spPr>
+        <p:style>
+          <a:lnRef idx="1">
+            <a:schemeClr val="accent1"/>
+          </a:lnRef>
+          <a:fillRef idx="0">
+            <a:schemeClr val="accent1"/>
+          </a:fillRef>
+          <a:effectRef idx="0">
+            <a:schemeClr val="accent1"/>
+          </a:effectRef>
+          <a:fontRef idx="minor">
+            <a:schemeClr val="tx1"/>
+          </a:fontRef>
+        </p:style>
+      </p:cxnSp>
+      <p:cxnSp>
+        <p:nvCxnSpPr>
+          <p:cNvPr id="110" name="직선 연결선 109">
+            <a:extLst>
+              <a:ext uri="{FF2B5EF4-FFF2-40B4-BE49-F238E27FC236}">
+                <a16:creationId xmlns:a16="http://schemas.microsoft.com/office/drawing/2014/main" id="{C331A9BC-1502-4907-903F-490286B9B057}"/>
+              </a:ext>
+            </a:extLst>
+          </p:cNvPr>
+          <p:cNvCxnSpPr>
+            <a:cxnSpLocks/>
+          </p:cNvCxnSpPr>
+          <p:nvPr/>
+        </p:nvCxnSpPr>
+        <p:spPr>
+          <a:xfrm flipH="1" flipV="1">
+            <a:off x="9149698" y="3332373"/>
+            <a:ext cx="710" cy="266810"/>
+          </a:xfrm>
+          <a:prstGeom prst="line">
+            <a:avLst/>
+          </a:prstGeom>
+          <a:ln w="60325">
+            <a:solidFill>
+              <a:srgbClr val="7030A0"/>
+            </a:solidFill>
+            <a:headEnd type="triangle" w="med" len="med"/>
+          </a:ln>
+        </p:spPr>
+        <p:style>
+          <a:lnRef idx="1">
+            <a:schemeClr val="accent1"/>
+          </a:lnRef>
+          <a:fillRef idx="0">
+            <a:schemeClr val="accent1"/>
+          </a:fillRef>
+          <a:effectRef idx="0">
+            <a:schemeClr val="accent1"/>
+          </a:effectRef>
+          <a:fontRef idx="minor">
+            <a:schemeClr val="tx1"/>
+          </a:fontRef>
+        </p:style>
+      </p:cxnSp>
+      <p:cxnSp>
+        <p:nvCxnSpPr>
+          <p:cNvPr id="113" name="직선 연결선 112">
+            <a:extLst>
+              <a:ext uri="{FF2B5EF4-FFF2-40B4-BE49-F238E27FC236}">
+                <a16:creationId xmlns:a16="http://schemas.microsoft.com/office/drawing/2014/main" id="{A125AFF1-3EF9-4250-AEC9-8A080FFF7B89}"/>
+              </a:ext>
+            </a:extLst>
+          </p:cNvPr>
+          <p:cNvCxnSpPr>
+            <a:cxnSpLocks/>
+          </p:cNvCxnSpPr>
+          <p:nvPr/>
+        </p:nvCxnSpPr>
+        <p:spPr>
+          <a:xfrm flipH="1">
+            <a:off x="4643177" y="1576664"/>
+            <a:ext cx="1316298" cy="0"/>
+          </a:xfrm>
+          <a:prstGeom prst="line">
+            <a:avLst/>
+          </a:prstGeom>
+          <a:ln w="60325">
+            <a:solidFill>
+              <a:schemeClr val="accent6"/>
+            </a:solidFill>
+          </a:ln>
+        </p:spPr>
+        <p:style>
+          <a:lnRef idx="1">
+            <a:schemeClr val="accent1"/>
+          </a:lnRef>
+          <a:fillRef idx="0">
+            <a:schemeClr val="accent1"/>
+          </a:fillRef>
+          <a:effectRef idx="0">
+            <a:schemeClr val="accent1"/>
+          </a:effectRef>
+          <a:fontRef idx="minor">
+            <a:schemeClr val="tx1"/>
+          </a:fontRef>
+        </p:style>
+      </p:cxnSp>
+      <p:cxnSp>
+        <p:nvCxnSpPr>
+          <p:cNvPr id="115" name="직선 연결선 114">
+            <a:extLst>
+              <a:ext uri="{FF2B5EF4-FFF2-40B4-BE49-F238E27FC236}">
+                <a16:creationId xmlns:a16="http://schemas.microsoft.com/office/drawing/2014/main" id="{4A8117CF-DAF3-4B29-A04A-63AE8E3875CB}"/>
+              </a:ext>
+            </a:extLst>
+          </p:cNvPr>
+          <p:cNvCxnSpPr>
+            <a:cxnSpLocks/>
+          </p:cNvCxnSpPr>
+          <p:nvPr/>
+        </p:nvCxnSpPr>
+        <p:spPr>
+          <a:xfrm flipH="1" flipV="1">
+            <a:off x="5927134" y="1564970"/>
+            <a:ext cx="7404" cy="1683476"/>
+          </a:xfrm>
+          <a:prstGeom prst="line">
+            <a:avLst/>
+          </a:prstGeom>
+          <a:ln w="60325">
+            <a:solidFill>
+              <a:schemeClr val="accent6"/>
+            </a:solidFill>
+          </a:ln>
+        </p:spPr>
+        <p:style>
+          <a:lnRef idx="1">
+            <a:schemeClr val="accent1"/>
+          </a:lnRef>
+          <a:fillRef idx="0">
+            <a:schemeClr val="accent1"/>
+          </a:fillRef>
+          <a:effectRef idx="0">
+            <a:schemeClr val="accent1"/>
+          </a:effectRef>
+          <a:fontRef idx="minor">
+            <a:schemeClr val="tx1"/>
+          </a:fontRef>
+        </p:style>
+      </p:cxnSp>
+      <p:cxnSp>
+        <p:nvCxnSpPr>
+          <p:cNvPr id="118" name="직선 연결선 117">
+            <a:extLst>
+              <a:ext uri="{FF2B5EF4-FFF2-40B4-BE49-F238E27FC236}">
+                <a16:creationId xmlns:a16="http://schemas.microsoft.com/office/drawing/2014/main" id="{E4D0637F-4651-4301-A4EE-F5F4FD8BAE3C}"/>
+              </a:ext>
+            </a:extLst>
+          </p:cNvPr>
+          <p:cNvCxnSpPr>
+            <a:cxnSpLocks/>
+          </p:cNvCxnSpPr>
+          <p:nvPr/>
+        </p:nvCxnSpPr>
+        <p:spPr>
+          <a:xfrm>
+            <a:off x="5899150" y="3252520"/>
+            <a:ext cx="1028753" cy="0"/>
+          </a:xfrm>
+          <a:prstGeom prst="line">
+            <a:avLst/>
+          </a:prstGeom>
+          <a:ln w="60325">
+            <a:solidFill>
+              <a:schemeClr val="accent6"/>
+            </a:solidFill>
+          </a:ln>
+        </p:spPr>
+        <p:style>
+          <a:lnRef idx="1">
+            <a:schemeClr val="accent1"/>
+          </a:lnRef>
+          <a:fillRef idx="0">
+            <a:schemeClr val="accent1"/>
+          </a:fillRef>
+          <a:effectRef idx="0">
+            <a:schemeClr val="accent1"/>
+          </a:effectRef>
+          <a:fontRef idx="minor">
+            <a:schemeClr val="tx1"/>
+          </a:fontRef>
+        </p:style>
+      </p:cxnSp>
+      <p:cxnSp>
+        <p:nvCxnSpPr>
+          <p:cNvPr id="123" name="직선 연결선 122">
+            <a:extLst>
+              <a:ext uri="{FF2B5EF4-FFF2-40B4-BE49-F238E27FC236}">
+                <a16:creationId xmlns:a16="http://schemas.microsoft.com/office/drawing/2014/main" id="{C9D94667-16A1-470E-9CB0-671C6C5FE783}"/>
+              </a:ext>
+            </a:extLst>
+          </p:cNvPr>
+          <p:cNvCxnSpPr>
+            <a:cxnSpLocks/>
+          </p:cNvCxnSpPr>
+          <p:nvPr/>
+        </p:nvCxnSpPr>
+        <p:spPr>
+          <a:xfrm flipH="1" flipV="1">
+            <a:off x="6904420" y="3229753"/>
+            <a:ext cx="3514" cy="319735"/>
+          </a:xfrm>
+          <a:prstGeom prst="line">
+            <a:avLst/>
+          </a:prstGeom>
+          <a:ln w="60325">
+            <a:solidFill>
+              <a:schemeClr val="accent6"/>
+            </a:solidFill>
+            <a:headEnd type="triangle"/>
+            <a:tailEnd type="none"/>
+          </a:ln>
+        </p:spPr>
+        <p:style>
+          <a:lnRef idx="1">
+            <a:schemeClr val="accent1"/>
+          </a:lnRef>
+          <a:fillRef idx="0">
+            <a:schemeClr val="accent1"/>
+          </a:fillRef>
+          <a:effectRef idx="0">
+            <a:schemeClr val="accent1"/>
+          </a:effectRef>
+          <a:fontRef idx="minor">
+            <a:schemeClr val="tx1"/>
+          </a:fontRef>
+        </p:style>
+      </p:cxnSp>
       <p:cxnSp>
         <p:nvCxnSpPr>
           <p:cNvPr id="132" name="직선 연결선 131">
@@ -4288,16 +4125,18 @@
         </p:nvCxnSpPr>
         <p:spPr>
           <a:xfrm flipH="1">
-            <a:off x="4651220" y="893521"/>
-            <a:ext cx="1552092" cy="12450"/>
+            <a:off x="4651220" y="892865"/>
+            <a:ext cx="1633820" cy="13106"/>
           </a:xfrm>
           <a:prstGeom prst="line">
             <a:avLst/>
           </a:prstGeom>
-          <a:ln w="28575">
+          <a:ln w="60325" cap="flat">
             <a:solidFill>
               <a:schemeClr val="accent1"/>
             </a:solidFill>
+            <a:headEnd type="triangle"/>
+            <a:tailEnd w="lg" len="lg"/>
           </a:ln>
         </p:spPr>
         <p:style>
@@ -4329,10 +4168,10 @@
         </p:nvGrpSpPr>
         <p:grpSpPr>
           <a:xfrm>
-            <a:off x="4880568" y="1342861"/>
-            <a:ext cx="4286826" cy="1850250"/>
-            <a:chOff x="5169939" y="1342861"/>
-            <a:chExt cx="4286826" cy="1850250"/>
+            <a:off x="4880569" y="1342861"/>
+            <a:ext cx="4307004" cy="1850250"/>
+            <a:chOff x="5169940" y="1342861"/>
+            <a:chExt cx="4307004" cy="1850250"/>
           </a:xfrm>
         </p:grpSpPr>
         <p:cxnSp>
@@ -4351,13 +4190,13 @@
           </p:nvCxnSpPr>
           <p:spPr>
             <a:xfrm flipH="1">
-              <a:off x="5169939" y="1346764"/>
-              <a:ext cx="1385967" cy="0"/>
+              <a:off x="5169940" y="1346764"/>
+              <a:ext cx="1404471" cy="0"/>
             </a:xfrm>
             <a:prstGeom prst="line">
               <a:avLst/>
             </a:prstGeom>
-            <a:ln w="28575">
+            <a:ln w="60325">
               <a:solidFill>
                 <a:schemeClr val="accent4"/>
               </a:solidFill>
@@ -4400,7 +4239,7 @@
             <a:prstGeom prst="line">
               <a:avLst/>
             </a:prstGeom>
-            <a:ln w="28575">
+            <a:ln w="60325">
               <a:solidFill>
                 <a:schemeClr val="accent4"/>
               </a:solidFill>
@@ -4437,13 +4276,13 @@
           </p:nvCxnSpPr>
           <p:spPr>
             <a:xfrm>
-              <a:off x="6544262" y="3182638"/>
-              <a:ext cx="2912503" cy="0"/>
+              <a:off x="6534747" y="3171610"/>
+              <a:ext cx="2942197" cy="17443"/>
             </a:xfrm>
             <a:prstGeom prst="line">
               <a:avLst/>
             </a:prstGeom>
-            <a:ln w="28575">
+            <a:ln w="60325">
               <a:solidFill>
                 <a:schemeClr val="accent4"/>
               </a:solidFill>
@@ -4480,16 +4319,18 @@
           </p:nvCxnSpPr>
           <p:spPr>
             <a:xfrm flipV="1">
-              <a:off x="9439779" y="2940065"/>
+              <a:off x="9446129" y="2940065"/>
               <a:ext cx="0" cy="242573"/>
             </a:xfrm>
             <a:prstGeom prst="line">
               <a:avLst/>
             </a:prstGeom>
-            <a:ln w="28575">
+            <a:ln w="60325">
               <a:solidFill>
                 <a:schemeClr val="accent4"/>
               </a:solidFill>
+              <a:headEnd type="none"/>
+              <a:tailEnd type="triangle"/>
             </a:ln>
           </p:spPr>
           <p:style>
@@ -4587,7 +4428,7 @@
         </p:blipFill>
         <p:spPr>
           <a:xfrm>
-            <a:off x="10204802" y="3444101"/>
+            <a:off x="10160190" y="127979"/>
             <a:ext cx="1950822" cy="3078547"/>
           </a:xfrm>
           <a:prstGeom prst="rect">
@@ -4595,12 +4436,130 @@
           </a:prstGeom>
         </p:spPr>
       </p:pic>
+      <p:sp>
+        <p:nvSpPr>
+          <p:cNvPr id="10" name="TextBox 9">
+            <a:extLst>
+              <a:ext uri="{FF2B5EF4-FFF2-40B4-BE49-F238E27FC236}">
+                <a16:creationId xmlns:a16="http://schemas.microsoft.com/office/drawing/2014/main" id="{D47126B4-4371-7B42-BF59-C76F3C650CC0}"/>
+              </a:ext>
+            </a:extLst>
+          </p:cNvPr>
+          <p:cNvSpPr txBox="1"/>
+          <p:nvPr/>
+        </p:nvSpPr>
+        <p:spPr>
+          <a:xfrm>
+            <a:off x="10216883" y="2228016"/>
+            <a:ext cx="1894129" cy="584775"/>
+          </a:xfrm>
+          <a:prstGeom prst="rect">
+            <a:avLst/>
+          </a:prstGeom>
+          <a:noFill/>
+        </p:spPr>
+        <p:txBody>
+          <a:bodyPr wrap="square" rtlCol="0">
+            <a:spAutoFit/>
+          </a:bodyPr>
+          <a:lstStyle/>
+          <a:p>
+            <a:r>
+              <a:rPr kumimoji="1" lang="en-US" altLang="ko-Kore-KR" sz="1600" dirty="0">
+                <a:solidFill>
+                  <a:srgbClr val="FF0000"/>
+                </a:solidFill>
+                <a:highlight>
+                  <a:srgbClr val="FFFF00"/>
+                </a:highlight>
+              </a:rPr>
+              <a:t>SOS </a:t>
+            </a:r>
+            <a:r>
+              <a:rPr kumimoji="1" lang="ko-Kore-KR" altLang="en-US" sz="1600" dirty="0">
+                <a:solidFill>
+                  <a:srgbClr val="FF0000"/>
+                </a:solidFill>
+                <a:highlight>
+                  <a:srgbClr val="FFFF00"/>
+                </a:highlight>
+              </a:rPr>
+              <a:t>옵션</a:t>
+            </a:r>
+            <a:r>
+              <a:rPr kumimoji="1" lang="ko-KR" altLang="en-US" sz="1600" dirty="0">
+                <a:solidFill>
+                  <a:srgbClr val="FF0000"/>
+                </a:solidFill>
+                <a:highlight>
+                  <a:srgbClr val="FFFF00"/>
+                </a:highlight>
+              </a:rPr>
+              <a:t> 터치 시</a:t>
+            </a:r>
+            <a:r>
+              <a:rPr kumimoji="1" lang="en-US" altLang="ko-KR" sz="1600" dirty="0">
+                <a:solidFill>
+                  <a:srgbClr val="FF0000"/>
+                </a:solidFill>
+                <a:highlight>
+                  <a:srgbClr val="FFFF00"/>
+                </a:highlight>
+              </a:rPr>
+              <a:t>.</a:t>
+            </a:r>
+          </a:p>
+          <a:p>
+            <a:r>
+              <a:rPr kumimoji="1" lang="en-US" altLang="ko-KR" sz="1600" dirty="0">
+                <a:solidFill>
+                  <a:srgbClr val="FF0000"/>
+                </a:solidFill>
+                <a:highlight>
+                  <a:srgbClr val="FFFF00"/>
+                </a:highlight>
+              </a:rPr>
+              <a:t>(</a:t>
+            </a:r>
+            <a:r>
+              <a:rPr kumimoji="1" lang="ko-KR" altLang="en-US" sz="1600" dirty="0">
+                <a:solidFill>
+                  <a:srgbClr val="FF0000"/>
+                </a:solidFill>
+                <a:highlight>
+                  <a:srgbClr val="FFFF00"/>
+                </a:highlight>
+              </a:rPr>
+              <a:t>모든 페이지에서</a:t>
+            </a:r>
+            <a:r>
+              <a:rPr kumimoji="1" lang="en-US" altLang="ko-KR" sz="1600" dirty="0">
+                <a:solidFill>
+                  <a:srgbClr val="FF0000"/>
+                </a:solidFill>
+                <a:highlight>
+                  <a:srgbClr val="FFFF00"/>
+                </a:highlight>
+              </a:rPr>
+              <a:t>)</a:t>
+            </a:r>
+            <a:endParaRPr kumimoji="1" lang="ko-Kore-KR" altLang="en-US" sz="1600" dirty="0">
+              <a:solidFill>
+                <a:srgbClr val="FF0000"/>
+              </a:solidFill>
+              <a:highlight>
+                <a:srgbClr val="FFFF00"/>
+              </a:highlight>
+            </a:endParaRPr>
+          </a:p>
+        </p:txBody>
+      </p:sp>
       <p:pic>
         <p:nvPicPr>
-          <p:cNvPr id="4" name="그림 3">
+          <p:cNvPr id="16" name="그림 15" descr="스크린샷이(가) 표시된 사진&#10;&#10;자동 생성된 설명">
             <a:extLst>
               <a:ext uri="{FF2B5EF4-FFF2-40B4-BE49-F238E27FC236}">
-                <a16:creationId xmlns:a16="http://schemas.microsoft.com/office/drawing/2014/main" id="{EB14A379-5790-41D9-9306-BF5B3928EB83}"/>
+                <a16:creationId xmlns:a16="http://schemas.microsoft.com/office/drawing/2014/main" id="{A2FD6C59-7244-B94C-BE12-52ED6A09023B}"/>
               </a:ext>
             </a:extLst>
           </p:cNvPr>
@@ -4609,16 +4568,21 @@
           </p:cNvPicPr>
           <p:nvPr/>
         </p:nvPicPr>
-        <p:blipFill>
-          <a:blip r:embed="rId13"/>
-          <a:stretch>
-            <a:fillRect/>
-          </a:stretch>
+        <p:blipFill rotWithShape="1">
+          <a:blip r:embed="rId13">
+            <a:extLst>
+              <a:ext uri="{28A0092B-C50C-407E-A947-70E740481C1C}">
+                <a14:useLocalDpi xmlns:a14="http://schemas.microsoft.com/office/drawing/2010/main" val="0"/>
+              </a:ext>
+            </a:extLst>
+          </a:blip>
+          <a:srcRect t="3840" b="21615"/>
+          <a:stretch/>
         </p:blipFill>
         <p:spPr>
           <a:xfrm>
-            <a:off x="7664636" y="157062"/>
-            <a:ext cx="171219" cy="112178"/>
+            <a:off x="10216883" y="3444101"/>
+            <a:ext cx="1930875" cy="3118596"/>
           </a:xfrm>
           <a:prstGeom prst="rect">
             <a:avLst/>
@@ -4627,10 +4591,10 @@
       </p:pic>
       <p:pic>
         <p:nvPicPr>
-          <p:cNvPr id="45" name="그림 44">
+          <p:cNvPr id="31" name="그림 30" descr="스크린샷, 컴퓨터이(가) 표시된 사진&#10;&#10;자동 생성된 설명">
             <a:extLst>
               <a:ext uri="{FF2B5EF4-FFF2-40B4-BE49-F238E27FC236}">
-                <a16:creationId xmlns:a16="http://schemas.microsoft.com/office/drawing/2014/main" id="{E1196935-6C66-4040-9F51-A721236043ED}"/>
+                <a16:creationId xmlns:a16="http://schemas.microsoft.com/office/drawing/2014/main" id="{D62D4201-52E1-D64E-9EBA-EEFA538F8FDD}"/>
               </a:ext>
             </a:extLst>
           </p:cNvPr>
@@ -4639,28 +4603,121 @@
           </p:cNvPicPr>
           <p:nvPr/>
         </p:nvPicPr>
-        <p:blipFill>
-          <a:blip r:embed="rId13"/>
-          <a:stretch>
-            <a:fillRect/>
-          </a:stretch>
+        <p:blipFill rotWithShape="1">
+          <a:blip r:embed="rId14">
+            <a:extLst>
+              <a:ext uri="{28A0092B-C50C-407E-A947-70E740481C1C}">
+                <a14:useLocalDpi xmlns:a14="http://schemas.microsoft.com/office/drawing/2010/main" val="0"/>
+              </a:ext>
+            </a:extLst>
+          </a:blip>
+          <a:srcRect t="54741" r="58576" b="40805"/>
+          <a:stretch/>
         </p:blipFill>
         <p:spPr>
           <a:xfrm>
-            <a:off x="9719496" y="157062"/>
-            <a:ext cx="171219" cy="112178"/>
+            <a:off x="4221382" y="1926391"/>
+            <a:ext cx="741843" cy="172797"/>
           </a:xfrm>
           <a:prstGeom prst="rect">
             <a:avLst/>
           </a:prstGeom>
         </p:spPr>
       </p:pic>
-      <p:sp>
-        <p:nvSpPr>
-          <p:cNvPr id="48" name="사각형: 둥근 모서리 47">
+      <p:cxnSp>
+        <p:nvCxnSpPr>
+          <p:cNvPr id="92" name="직선 연결선 85">
             <a:extLst>
               <a:ext uri="{FF2B5EF4-FFF2-40B4-BE49-F238E27FC236}">
-                <a16:creationId xmlns:a16="http://schemas.microsoft.com/office/drawing/2014/main" id="{106E9F92-00FF-416F-957B-773BE2BC3C32}"/>
+                <a16:creationId xmlns:a16="http://schemas.microsoft.com/office/drawing/2014/main" id="{21504FBE-A055-254D-8C5F-4DFC687707AF}"/>
+              </a:ext>
+            </a:extLst>
+          </p:cNvPr>
+          <p:cNvCxnSpPr>
+            <a:cxnSpLocks/>
+          </p:cNvCxnSpPr>
+          <p:nvPr/>
+        </p:nvCxnSpPr>
+        <p:spPr>
+          <a:xfrm flipH="1" flipV="1">
+            <a:off x="3111443" y="3306605"/>
+            <a:ext cx="1" cy="274991"/>
+          </a:xfrm>
+          <a:prstGeom prst="line">
+            <a:avLst/>
+          </a:prstGeom>
+          <a:ln w="60325">
+            <a:solidFill>
+              <a:srgbClr val="FF0000"/>
+            </a:solidFill>
+            <a:headEnd type="triangle"/>
+          </a:ln>
+        </p:spPr>
+        <p:style>
+          <a:lnRef idx="1">
+            <a:schemeClr val="accent1"/>
+          </a:lnRef>
+          <a:fillRef idx="0">
+            <a:schemeClr val="accent1"/>
+          </a:fillRef>
+          <a:effectRef idx="0">
+            <a:schemeClr val="accent1"/>
+          </a:effectRef>
+          <a:fontRef idx="minor">
+            <a:schemeClr val="tx1"/>
+          </a:fontRef>
+        </p:style>
+      </p:cxnSp>
+      <p:cxnSp>
+        <p:nvCxnSpPr>
+          <p:cNvPr id="93" name="직선 연결선 85">
+            <a:extLst>
+              <a:ext uri="{FF2B5EF4-FFF2-40B4-BE49-F238E27FC236}">
+                <a16:creationId xmlns:a16="http://schemas.microsoft.com/office/drawing/2014/main" id="{270C493F-DF5F-4A4D-874B-09A34D86E90E}"/>
+              </a:ext>
+            </a:extLst>
+          </p:cNvPr>
+          <p:cNvCxnSpPr>
+            <a:cxnSpLocks/>
+          </p:cNvCxnSpPr>
+          <p:nvPr/>
+        </p:nvCxnSpPr>
+        <p:spPr>
+          <a:xfrm flipH="1" flipV="1">
+            <a:off x="5116127" y="3306747"/>
+            <a:ext cx="1" cy="274991"/>
+          </a:xfrm>
+          <a:prstGeom prst="line">
+            <a:avLst/>
+          </a:prstGeom>
+          <a:ln w="60325">
+            <a:solidFill>
+              <a:srgbClr val="FF0000"/>
+            </a:solidFill>
+            <a:headEnd type="triangle"/>
+          </a:ln>
+        </p:spPr>
+        <p:style>
+          <a:lnRef idx="1">
+            <a:schemeClr val="accent1"/>
+          </a:lnRef>
+          <a:fillRef idx="0">
+            <a:schemeClr val="accent1"/>
+          </a:fillRef>
+          <a:effectRef idx="0">
+            <a:schemeClr val="accent1"/>
+          </a:effectRef>
+          <a:fontRef idx="minor">
+            <a:schemeClr val="tx1"/>
+          </a:fontRef>
+        </p:style>
+      </p:cxnSp>
+      <p:sp>
+        <p:nvSpPr>
+          <p:cNvPr id="94" name="사각형: 둥근 모서리 25">
+            <a:extLst>
+              <a:ext uri="{FF2B5EF4-FFF2-40B4-BE49-F238E27FC236}">
+                <a16:creationId xmlns:a16="http://schemas.microsoft.com/office/drawing/2014/main" id="{BE5788F8-2E0E-3C47-B1C1-1AC6D45504CB}"/>
               </a:ext>
             </a:extLst>
           </p:cNvPr>
@@ -4669,16 +4726,16 @@
         </p:nvSpPr>
         <p:spPr>
           <a:xfrm>
-            <a:off x="7604948" y="85746"/>
-            <a:ext cx="294199" cy="272063"/>
+            <a:off x="4243012" y="1945213"/>
+            <a:ext cx="604291" cy="153974"/>
           </a:xfrm>
           <a:prstGeom prst="roundRect">
             <a:avLst/>
           </a:prstGeom>
           <a:noFill/>
-          <a:ln w="57150">
+          <a:ln w="19050">
             <a:solidFill>
-              <a:schemeClr val="accent2"/>
+              <a:srgbClr val="E304AE"/>
             </a:solidFill>
           </a:ln>
         </p:spPr>
@@ -4703,147 +4760,148 @@
           <a:lstStyle/>
           <a:p>
             <a:pPr algn="ctr"/>
-            <a:endParaRPr lang="ko-KR" altLang="en-US"/>
-          </a:p>
-        </p:txBody>
-      </p:sp>
-      <p:pic>
-        <p:nvPicPr>
-          <p:cNvPr id="49" name="그림 48">
+            <a:endParaRPr lang="ko-KR" altLang="en-US">
+              <a:solidFill>
+                <a:schemeClr val="tx2">
+                  <a:lumMod val="60000"/>
+                  <a:lumOff val="40000"/>
+                </a:schemeClr>
+              </a:solidFill>
+            </a:endParaRPr>
+          </a:p>
+        </p:txBody>
+      </p:sp>
+      <p:cxnSp>
+        <p:nvCxnSpPr>
+          <p:cNvPr id="95" name="직선 연결선 100">
             <a:extLst>
               <a:ext uri="{FF2B5EF4-FFF2-40B4-BE49-F238E27FC236}">
-                <a16:creationId xmlns:a16="http://schemas.microsoft.com/office/drawing/2014/main" id="{8A06895E-713F-419E-88C4-CF417125E6BC}"/>
+                <a16:creationId xmlns:a16="http://schemas.microsoft.com/office/drawing/2014/main" id="{B0EAC261-50FC-A744-9007-52C513DA6F2A}"/>
               </a:ext>
             </a:extLst>
           </p:cNvPr>
-          <p:cNvPicPr>
-            <a:picLocks noChangeAspect="1"/>
-          </p:cNvPicPr>
+          <p:cNvCxnSpPr>
+            <a:cxnSpLocks/>
+          </p:cNvCxnSpPr>
           <p:nvPr/>
-        </p:nvPicPr>
-        <p:blipFill>
-          <a:blip r:embed="rId13"/>
-          <a:stretch>
-            <a:fillRect/>
-          </a:stretch>
-        </p:blipFill>
-        <p:spPr>
-          <a:xfrm>
-            <a:off x="10810058" y="1203379"/>
-            <a:ext cx="716843" cy="469656"/>
-          </a:xfrm>
-          <a:prstGeom prst="rect">
+        </p:nvCxnSpPr>
+        <p:spPr>
+          <a:xfrm flipH="1">
+            <a:off x="4856364" y="2007671"/>
+            <a:ext cx="612619" cy="0"/>
+          </a:xfrm>
+          <a:prstGeom prst="line">
             <a:avLst/>
           </a:prstGeom>
-        </p:spPr>
-      </p:pic>
-      <p:sp>
-        <p:nvSpPr>
-          <p:cNvPr id="51" name="화살표: 오른쪽 50">
+          <a:ln w="60325">
+            <a:solidFill>
+              <a:srgbClr val="E304AE"/>
+            </a:solidFill>
+          </a:ln>
+        </p:spPr>
+        <p:style>
+          <a:lnRef idx="1">
+            <a:schemeClr val="accent1"/>
+          </a:lnRef>
+          <a:fillRef idx="0">
+            <a:schemeClr val="accent1"/>
+          </a:fillRef>
+          <a:effectRef idx="0">
+            <a:schemeClr val="accent1"/>
+          </a:effectRef>
+          <a:fontRef idx="minor">
+            <a:schemeClr val="tx1"/>
+          </a:fontRef>
+        </p:style>
+      </p:cxnSp>
+      <p:cxnSp>
+        <p:nvCxnSpPr>
+          <p:cNvPr id="96" name="직선 연결선 103">
             <a:extLst>
               <a:ext uri="{FF2B5EF4-FFF2-40B4-BE49-F238E27FC236}">
-                <a16:creationId xmlns:a16="http://schemas.microsoft.com/office/drawing/2014/main" id="{873172AA-A1BE-4D03-A141-547096094E3F}"/>
+                <a16:creationId xmlns:a16="http://schemas.microsoft.com/office/drawing/2014/main" id="{4308B947-16C5-8D4A-BEE6-41AA9A0116C6}"/>
               </a:ext>
             </a:extLst>
           </p:cNvPr>
-          <p:cNvSpPr/>
+          <p:cNvCxnSpPr>
+            <a:cxnSpLocks/>
+          </p:cNvCxnSpPr>
           <p:nvPr/>
-        </p:nvSpPr>
-        <p:spPr>
-          <a:xfrm rot="5400000">
-            <a:off x="10632153" y="2500218"/>
-            <a:ext cx="1137410" cy="359047"/>
-          </a:xfrm>
-          <a:prstGeom prst="rightArrow">
+        </p:nvCxnSpPr>
+        <p:spPr>
+          <a:xfrm flipV="1">
+            <a:off x="5442680" y="1982744"/>
+            <a:ext cx="0" cy="1706946"/>
+          </a:xfrm>
+          <a:prstGeom prst="line">
             <a:avLst/>
           </a:prstGeom>
-          <a:solidFill>
-            <a:schemeClr val="accent5"/>
-          </a:solidFill>
-          <a:ln>
-            <a:noFill/>
+          <a:ln w="60325">
+            <a:solidFill>
+              <a:srgbClr val="E304AE"/>
+            </a:solidFill>
           </a:ln>
         </p:spPr>
         <p:style>
-          <a:lnRef idx="2">
-            <a:schemeClr val="accent1">
-              <a:shade val="50000"/>
-            </a:schemeClr>
+          <a:lnRef idx="1">
+            <a:schemeClr val="accent1"/>
           </a:lnRef>
-          <a:fillRef idx="1">
+          <a:fillRef idx="0">
             <a:schemeClr val="accent1"/>
           </a:fillRef>
           <a:effectRef idx="0">
             <a:schemeClr val="accent1"/>
           </a:effectRef>
           <a:fontRef idx="minor">
-            <a:schemeClr val="lt1"/>
+            <a:schemeClr val="tx1"/>
           </a:fontRef>
         </p:style>
-        <p:txBody>
-          <a:bodyPr rtlCol="0" anchor="ctr"/>
-          <a:lstStyle/>
-          <a:p>
-            <a:pPr algn="ctr"/>
-            <a:endParaRPr lang="ko-KR" altLang="en-US"/>
-          </a:p>
-        </p:txBody>
-      </p:sp>
-      <p:sp>
-        <p:nvSpPr>
-          <p:cNvPr id="11" name="생각 풍선: 구름 모양 10">
+      </p:cxnSp>
+      <p:cxnSp>
+        <p:nvCxnSpPr>
+          <p:cNvPr id="100" name="직선 연결선 106">
             <a:extLst>
               <a:ext uri="{FF2B5EF4-FFF2-40B4-BE49-F238E27FC236}">
-                <a16:creationId xmlns:a16="http://schemas.microsoft.com/office/drawing/2014/main" id="{14D013B1-7E6D-4D6D-9996-A44A078BB6BD}"/>
+                <a16:creationId xmlns:a16="http://schemas.microsoft.com/office/drawing/2014/main" id="{5C473E5F-7732-EB4C-B1E6-FBABE496E76E}"/>
               </a:ext>
             </a:extLst>
           </p:cNvPr>
-          <p:cNvSpPr/>
+          <p:cNvCxnSpPr>
+            <a:cxnSpLocks/>
+          </p:cNvCxnSpPr>
           <p:nvPr/>
-        </p:nvSpPr>
+        </p:nvCxnSpPr>
         <p:spPr>
           <a:xfrm>
-            <a:off x="10252265" y="893521"/>
-            <a:ext cx="1832430" cy="1089373"/>
-          </a:xfrm>
-          <a:prstGeom prst="cloudCallout">
-            <a:avLst>
-              <a:gd name="adj1" fmla="val -173011"/>
-              <a:gd name="adj2" fmla="val -74990"/>
-            </a:avLst>
+            <a:off x="5409083" y="3704435"/>
+            <a:ext cx="5015077" cy="0"/>
+          </a:xfrm>
+          <a:prstGeom prst="line">
+            <a:avLst/>
           </a:prstGeom>
-          <a:noFill/>
-          <a:ln w="57150">
+          <a:ln w="60325">
             <a:solidFill>
-              <a:schemeClr val="accent2"/>
+              <a:srgbClr val="E304AE"/>
             </a:solidFill>
+            <a:headEnd type="none"/>
+            <a:tailEnd type="triangle"/>
           </a:ln>
         </p:spPr>
         <p:style>
-          <a:lnRef idx="2">
-            <a:schemeClr val="accent1">
-              <a:shade val="50000"/>
-            </a:schemeClr>
+          <a:lnRef idx="1">
+            <a:schemeClr val="accent1"/>
           </a:lnRef>
-          <a:fillRef idx="1">
+          <a:fillRef idx="0">
             <a:schemeClr val="accent1"/>
           </a:fillRef>
           <a:effectRef idx="0">
             <a:schemeClr val="accent1"/>
           </a:effectRef>
           <a:fontRef idx="minor">
-            <a:schemeClr val="lt1"/>
+            <a:schemeClr val="tx1"/>
           </a:fontRef>
         </p:style>
-        <p:txBody>
-          <a:bodyPr rtlCol="0" anchor="ctr"/>
-          <a:lstStyle/>
-          <a:p>
-            <a:pPr algn="ctr"/>
-            <a:endParaRPr lang="ko-KR" altLang="en-US"/>
-          </a:p>
-        </p:txBody>
-      </p:sp>
+      </p:cxnSp>
     </p:spTree>
     <p:extLst>
       <p:ext uri="{BB962C8B-B14F-4D97-AF65-F5344CB8AC3E}">
